--- a/doc/Figures/TEMP/Scope.pptx
+++ b/doc/Figures/TEMP/Scope.pptx
@@ -6,6 +6,7 @@
   </p:sldMasterIdLst>
   <p:sldIdLst>
     <p:sldId id="256" r:id="rId2"/>
+    <p:sldId id="257" r:id="rId3"/>
   </p:sldIdLst>
   <p:sldSz cx="12192000" cy="6858000"/>
   <p:notesSz cx="6858000" cy="9144000"/>
@@ -261,7 +262,7 @@
           <a:p>
             <a:fld id="{927B97AF-542C-4193-A540-7987331399C2}" type="datetimeFigureOut">
               <a:rPr lang="en-US" smtClean="0"/>
-              <a:t>7/2/2022</a:t>
+              <a:t>7/3/2022</a:t>
             </a:fld>
             <a:endParaRPr lang="en-US"/>
           </a:p>
@@ -461,7 +462,7 @@
           <a:p>
             <a:fld id="{927B97AF-542C-4193-A540-7987331399C2}" type="datetimeFigureOut">
               <a:rPr lang="en-US" smtClean="0"/>
-              <a:t>7/2/2022</a:t>
+              <a:t>7/3/2022</a:t>
             </a:fld>
             <a:endParaRPr lang="en-US"/>
           </a:p>
@@ -671,7 +672,7 @@
           <a:p>
             <a:fld id="{927B97AF-542C-4193-A540-7987331399C2}" type="datetimeFigureOut">
               <a:rPr lang="en-US" smtClean="0"/>
-              <a:t>7/2/2022</a:t>
+              <a:t>7/3/2022</a:t>
             </a:fld>
             <a:endParaRPr lang="en-US"/>
           </a:p>
@@ -871,7 +872,7 @@
           <a:p>
             <a:fld id="{927B97AF-542C-4193-A540-7987331399C2}" type="datetimeFigureOut">
               <a:rPr lang="en-US" smtClean="0"/>
-              <a:t>7/2/2022</a:t>
+              <a:t>7/3/2022</a:t>
             </a:fld>
             <a:endParaRPr lang="en-US"/>
           </a:p>
@@ -1147,7 +1148,7 @@
           <a:p>
             <a:fld id="{927B97AF-542C-4193-A540-7987331399C2}" type="datetimeFigureOut">
               <a:rPr lang="en-US" smtClean="0"/>
-              <a:t>7/2/2022</a:t>
+              <a:t>7/3/2022</a:t>
             </a:fld>
             <a:endParaRPr lang="en-US"/>
           </a:p>
@@ -1415,7 +1416,7 @@
           <a:p>
             <a:fld id="{927B97AF-542C-4193-A540-7987331399C2}" type="datetimeFigureOut">
               <a:rPr lang="en-US" smtClean="0"/>
-              <a:t>7/2/2022</a:t>
+              <a:t>7/3/2022</a:t>
             </a:fld>
             <a:endParaRPr lang="en-US"/>
           </a:p>
@@ -1830,7 +1831,7 @@
           <a:p>
             <a:fld id="{927B97AF-542C-4193-A540-7987331399C2}" type="datetimeFigureOut">
               <a:rPr lang="en-US" smtClean="0"/>
-              <a:t>7/2/2022</a:t>
+              <a:t>7/3/2022</a:t>
             </a:fld>
             <a:endParaRPr lang="en-US"/>
           </a:p>
@@ -1972,7 +1973,7 @@
           <a:p>
             <a:fld id="{927B97AF-542C-4193-A540-7987331399C2}" type="datetimeFigureOut">
               <a:rPr lang="en-US" smtClean="0"/>
-              <a:t>7/2/2022</a:t>
+              <a:t>7/3/2022</a:t>
             </a:fld>
             <a:endParaRPr lang="en-US"/>
           </a:p>
@@ -2085,7 +2086,7 @@
           <a:p>
             <a:fld id="{927B97AF-542C-4193-A540-7987331399C2}" type="datetimeFigureOut">
               <a:rPr lang="en-US" smtClean="0"/>
-              <a:t>7/2/2022</a:t>
+              <a:t>7/3/2022</a:t>
             </a:fld>
             <a:endParaRPr lang="en-US"/>
           </a:p>
@@ -2398,7 +2399,7 @@
           <a:p>
             <a:fld id="{927B97AF-542C-4193-A540-7987331399C2}" type="datetimeFigureOut">
               <a:rPr lang="en-US" smtClean="0"/>
-              <a:t>7/2/2022</a:t>
+              <a:t>7/3/2022</a:t>
             </a:fld>
             <a:endParaRPr lang="en-US"/>
           </a:p>
@@ -2687,7 +2688,7 @@
           <a:p>
             <a:fld id="{927B97AF-542C-4193-A540-7987331399C2}" type="datetimeFigureOut">
               <a:rPr lang="en-US" smtClean="0"/>
-              <a:t>7/2/2022</a:t>
+              <a:t>7/3/2022</a:t>
             </a:fld>
             <a:endParaRPr lang="en-US"/>
           </a:p>
@@ -2930,7 +2931,7 @@
           <a:p>
             <a:fld id="{927B97AF-542C-4193-A540-7987331399C2}" type="datetimeFigureOut">
               <a:rPr lang="en-US" smtClean="0"/>
-              <a:t>7/2/2022</a:t>
+              <a:t>7/3/2022</a:t>
             </a:fld>
             <a:endParaRPr lang="en-US"/>
           </a:p>
@@ -3824,7 +3825,7 @@
               <a:rPr lang="en-US" dirty="0">
                 <a:latin typeface="Consolas" panose="020B0609020204030204" pitchFamily="49" charset="0"/>
               </a:rPr>
-              <a:t>  sol = x*f2(s*x)</a:t>
+              <a:t>  sol = x*y*f2(s*x)</a:t>
             </a:r>
           </a:p>
           <a:p>
@@ -3977,10 +3978,10 @@
           </a:xfrm>
           <a:prstGeom prst="bentConnector3">
             <a:avLst>
-              <a:gd name="adj1" fmla="val -374"/>
+              <a:gd name="adj1" fmla="val 30"/>
             </a:avLst>
           </a:prstGeom>
-          <a:ln w="31750">
+          <a:ln w="31750" cap="rnd">
             <a:solidFill>
               <a:schemeClr val="accent6"/>
             </a:solidFill>
@@ -4186,7 +4187,7 @@
           <a:prstGeom prst="straightConnector1">
             <a:avLst/>
           </a:prstGeom>
-          <a:ln w="31750">
+          <a:ln w="31750" cap="rnd">
             <a:solidFill>
               <a:srgbClr val="FF0000"/>
             </a:solidFill>
@@ -4231,10 +4232,11 @@
           <a:prstGeom prst="straightConnector1">
             <a:avLst/>
           </a:prstGeom>
-          <a:ln w="31750">
+          <a:ln w="31750" cap="rnd">
             <a:solidFill>
               <a:srgbClr val="FF0000"/>
             </a:solidFill>
+            <a:miter lim="800000"/>
             <a:headEnd type="none" w="med" len="lg"/>
             <a:tailEnd type="none" w="med" len="lg"/>
           </a:ln>
@@ -4582,7 +4584,7 @@
           <a:prstGeom prst="straightConnector1">
             <a:avLst/>
           </a:prstGeom>
-          <a:ln w="31750">
+          <a:ln w="31750" cap="rnd">
             <a:solidFill>
               <a:srgbClr val="FF0000"/>
             </a:solidFill>
@@ -4627,7 +4629,7 @@
           <a:prstGeom prst="straightConnector1">
             <a:avLst/>
           </a:prstGeom>
-          <a:ln w="31750">
+          <a:ln w="31750" cap="rnd">
             <a:solidFill>
               <a:srgbClr val="FF0000"/>
             </a:solidFill>
@@ -4765,7 +4767,7 @@
           <a:prstGeom prst="straightConnector1">
             <a:avLst/>
           </a:prstGeom>
-          <a:ln w="31750">
+          <a:ln w="31750" cap="rnd">
             <a:solidFill>
               <a:srgbClr val="FF0000"/>
             </a:solidFill>
@@ -4810,7 +4812,7 @@
           <a:prstGeom prst="straightConnector1">
             <a:avLst/>
           </a:prstGeom>
-          <a:ln w="31750">
+          <a:ln w="31750" cap="rnd">
             <a:solidFill>
               <a:srgbClr val="FF0000"/>
             </a:solidFill>
@@ -4952,7 +4954,7 @@
               <a:gd name="adj1" fmla="val 6825000"/>
             </a:avLst>
           </a:prstGeom>
-          <a:ln w="31750">
+          <a:ln w="31750" cap="rnd">
             <a:solidFill>
               <a:srgbClr val="C00000"/>
             </a:solidFill>
@@ -5096,7 +5098,7 @@
           <a:prstGeom prst="straightConnector1">
             <a:avLst/>
           </a:prstGeom>
-          <a:ln w="31750">
+          <a:ln w="31750" cap="rnd">
             <a:solidFill>
               <a:schemeClr val="accent6"/>
             </a:solidFill>
@@ -5180,7 +5182,7 @@
           <a:prstGeom prst="straightConnector1">
             <a:avLst/>
           </a:prstGeom>
-          <a:ln w="31750">
+          <a:ln w="31750" cap="rnd">
             <a:solidFill>
               <a:schemeClr val="accent6"/>
             </a:solidFill>
@@ -5225,7 +5227,7 @@
           <a:prstGeom prst="straightConnector1">
             <a:avLst/>
           </a:prstGeom>
-          <a:ln w="31750">
+          <a:ln w="31750" cap="rnd">
             <a:solidFill>
               <a:schemeClr val="accent6"/>
             </a:solidFill>
@@ -5270,7 +5272,7 @@
           <a:prstGeom prst="straightConnector1">
             <a:avLst/>
           </a:prstGeom>
-          <a:ln w="31750">
+          <a:ln w="31750" cap="rnd">
             <a:solidFill>
               <a:schemeClr val="accent6"/>
             </a:solidFill>
@@ -5315,7 +5317,7 @@
           <a:prstGeom prst="straightConnector1">
             <a:avLst/>
           </a:prstGeom>
-          <a:ln w="31750">
+          <a:ln w="31750" cap="rnd">
             <a:solidFill>
               <a:schemeClr val="accent6"/>
             </a:solidFill>
@@ -5342,6 +5344,1700 @@
     <p:extLst>
       <p:ext uri="{BB962C8B-B14F-4D97-AF65-F5344CB8AC3E}">
         <p14:creationId xmlns:p14="http://schemas.microsoft.com/office/powerpoint/2010/main" val="250816148"/>
+      </p:ext>
+    </p:extLst>
+  </p:cSld>
+  <p:clrMapOvr>
+    <a:masterClrMapping/>
+  </p:clrMapOvr>
+</p:sld>
+</file>
+
+<file path=ppt/slides/slide2.xml><?xml version="1.0" encoding="utf-8"?>
+<p:sld xmlns:a="http://schemas.openxmlformats.org/drawingml/2006/main" xmlns:r="http://schemas.openxmlformats.org/officeDocument/2006/relationships" xmlns:p="http://schemas.openxmlformats.org/presentationml/2006/main">
+  <p:cSld>
+    <p:spTree>
+      <p:nvGrpSpPr>
+        <p:cNvPr id="1" name=""/>
+        <p:cNvGrpSpPr/>
+        <p:nvPr/>
+      </p:nvGrpSpPr>
+      <p:grpSpPr>
+        <a:xfrm>
+          <a:off x="0" y="0"/>
+          <a:ext cx="0" cy="0"/>
+          <a:chOff x="0" y="0"/>
+          <a:chExt cx="0" cy="0"/>
+        </a:xfrm>
+      </p:grpSpPr>
+      <p:sp>
+        <p:nvSpPr>
+          <p:cNvPr id="5" name="CuadroTexto 4">
+            <a:extLst>
+              <a:ext uri="{FF2B5EF4-FFF2-40B4-BE49-F238E27FC236}">
+                <a16:creationId xmlns:a16="http://schemas.microsoft.com/office/drawing/2014/main" id="{20FFC86A-D7E8-BF56-F790-9AEC9614F371}"/>
+              </a:ext>
+            </a:extLst>
+          </p:cNvPr>
+          <p:cNvSpPr txBox="1"/>
+          <p:nvPr/>
+        </p:nvSpPr>
+        <p:spPr>
+          <a:xfrm>
+            <a:off x="991941" y="335845"/>
+            <a:ext cx="3709171" cy="2585323"/>
+          </a:xfrm>
+          <a:prstGeom prst="rect">
+            <a:avLst/>
+          </a:prstGeom>
+          <a:noFill/>
+          <a:ln w="31750">
+            <a:solidFill>
+              <a:schemeClr val="tx1"/>
+            </a:solidFill>
+          </a:ln>
+        </p:spPr>
+        <p:txBody>
+          <a:bodyPr wrap="square" rtlCol="0">
+            <a:spAutoFit/>
+          </a:bodyPr>
+          <a:lstStyle/>
+          <a:p>
+            <a:r>
+              <a:rPr lang="en-US" sz="1800" b="0" i="0" u="none" strike="noStrike" baseline="0" dirty="0">
+                <a:latin typeface="Consolas" panose="020B0609020204030204" pitchFamily="49" charset="0"/>
+              </a:rPr>
+              <a:t>from </a:t>
+            </a:r>
+            <a:r>
+              <a:rPr lang="en-US" sz="1800" b="0" i="0" u="none" strike="noStrike" baseline="0" dirty="0" err="1">
+                <a:latin typeface="Consolas" panose="020B0609020204030204" pitchFamily="49" charset="0"/>
+              </a:rPr>
+              <a:t>modA</a:t>
+            </a:r>
+            <a:r>
+              <a:rPr lang="en-US" sz="1800" b="0" i="0" u="none" strike="noStrike" baseline="0" dirty="0">
+                <a:latin typeface="Consolas" panose="020B0609020204030204" pitchFamily="49" charset="0"/>
+              </a:rPr>
+              <a:t> import </a:t>
+            </a:r>
+            <a:r>
+              <a:rPr lang="en-US" sz="1800" b="0" i="0" u="none" strike="noStrike" baseline="0" dirty="0" err="1">
+                <a:latin typeface="Consolas" panose="020B0609020204030204" pitchFamily="49" charset="0"/>
+              </a:rPr>
+              <a:t>functionA</a:t>
+            </a:r>
+            <a:endParaRPr lang="en-US" dirty="0">
+              <a:latin typeface="Consolas" panose="020B0609020204030204" pitchFamily="49" charset="0"/>
+            </a:endParaRPr>
+          </a:p>
+          <a:p>
+            <a:endParaRPr lang="en-US" dirty="0">
+              <a:latin typeface="Consolas" panose="020B0609020204030204" pitchFamily="49" charset="0"/>
+            </a:endParaRPr>
+          </a:p>
+          <a:p>
+            <a:r>
+              <a:rPr lang="en-US" dirty="0">
+                <a:latin typeface="Consolas" panose="020B0609020204030204" pitchFamily="49" charset="0"/>
+              </a:rPr>
+              <a:t>r = -6</a:t>
+            </a:r>
+          </a:p>
+          <a:p>
+            <a:endParaRPr lang="en-US" dirty="0">
+              <a:latin typeface="Consolas" panose="020B0609020204030204" pitchFamily="49" charset="0"/>
+            </a:endParaRPr>
+          </a:p>
+          <a:p>
+            <a:pPr algn="l"/>
+            <a:r>
+              <a:rPr lang="en-US" sz="1800" b="0" i="0" u="none" strike="noStrike" baseline="0" dirty="0">
+                <a:latin typeface="Consolas" panose="020B0609020204030204" pitchFamily="49" charset="0"/>
+              </a:rPr>
+              <a:t>def </a:t>
+            </a:r>
+            <a:r>
+              <a:rPr lang="en-US" sz="1800" b="0" i="0" u="none" strike="noStrike" baseline="0" dirty="0" err="1">
+                <a:latin typeface="Consolas" panose="020B0609020204030204" pitchFamily="49" charset="0"/>
+              </a:rPr>
+              <a:t>functionB</a:t>
+            </a:r>
+            <a:r>
+              <a:rPr lang="en-US" sz="1800" b="0" i="0" u="none" strike="noStrike" baseline="0" dirty="0">
+                <a:latin typeface="Consolas" panose="020B0609020204030204" pitchFamily="49" charset="0"/>
+              </a:rPr>
+              <a:t>():</a:t>
+            </a:r>
+          </a:p>
+          <a:p>
+            <a:pPr algn="l"/>
+            <a:r>
+              <a:rPr lang="en-US" sz="1800" b="0" i="0" u="none" strike="noStrike" baseline="0" dirty="0">
+                <a:latin typeface="Consolas" panose="020B0609020204030204" pitchFamily="49" charset="0"/>
+              </a:rPr>
+              <a:t>    </a:t>
+            </a:r>
+            <a:r>
+              <a:rPr lang="en-US" dirty="0">
+                <a:latin typeface="Consolas" panose="020B0609020204030204" pitchFamily="49" charset="0"/>
+              </a:rPr>
+              <a:t>s</a:t>
+            </a:r>
+            <a:r>
+              <a:rPr lang="en-US" sz="1800" b="0" i="0" u="none" strike="noStrike" baseline="0" dirty="0">
+                <a:latin typeface="Consolas" panose="020B0609020204030204" pitchFamily="49" charset="0"/>
+              </a:rPr>
+              <a:t> = 1</a:t>
+            </a:r>
+          </a:p>
+          <a:p>
+            <a:pPr algn="l"/>
+            <a:r>
+              <a:rPr lang="en-US" b="1" dirty="0">
+                <a:latin typeface="Consolas" panose="020B0609020204030204" pitchFamily="49" charset="0"/>
+              </a:rPr>
+              <a:t>    </a:t>
+            </a:r>
+            <a:r>
+              <a:rPr lang="en-US" sz="1800" i="0" u="none" strike="noStrike" baseline="0" dirty="0">
+                <a:latin typeface="Consolas" panose="020B0609020204030204" pitchFamily="49" charset="0"/>
+              </a:rPr>
+              <a:t>return r</a:t>
+            </a:r>
+            <a:r>
+              <a:rPr lang="en-US" dirty="0">
+                <a:latin typeface="Consolas" panose="020B0609020204030204" pitchFamily="49" charset="0"/>
+              </a:rPr>
+              <a:t>*s</a:t>
+            </a:r>
+            <a:r>
+              <a:rPr lang="en-US" sz="1800" b="0" i="0" u="none" strike="noStrike" baseline="0" dirty="0">
+                <a:latin typeface="Consolas" panose="020B0609020204030204" pitchFamily="49" charset="0"/>
+              </a:rPr>
+              <a:t> + </a:t>
+            </a:r>
+            <a:r>
+              <a:rPr lang="en-US" sz="1800" b="0" i="0" u="none" strike="noStrike" baseline="0" dirty="0" err="1">
+                <a:latin typeface="Consolas" panose="020B0609020204030204" pitchFamily="49" charset="0"/>
+              </a:rPr>
+              <a:t>functionA</a:t>
+            </a:r>
+            <a:r>
+              <a:rPr lang="en-US" sz="1800" b="0" i="0" u="none" strike="noStrike" baseline="0" dirty="0">
+                <a:latin typeface="Consolas" panose="020B0609020204030204" pitchFamily="49" charset="0"/>
+              </a:rPr>
+              <a:t>()</a:t>
+            </a:r>
+            <a:endParaRPr lang="en-US" dirty="0">
+              <a:latin typeface="Consolas" panose="020B0609020204030204" pitchFamily="49" charset="0"/>
+            </a:endParaRPr>
+          </a:p>
+          <a:p>
+            <a:endParaRPr lang="en-US" dirty="0">
+              <a:latin typeface="Consolas" panose="020B0609020204030204" pitchFamily="49" charset="0"/>
+            </a:endParaRPr>
+          </a:p>
+          <a:p>
+            <a:endParaRPr lang="en-US" dirty="0">
+              <a:latin typeface="Consolas" panose="020B0609020204030204" pitchFamily="49" charset="0"/>
+            </a:endParaRPr>
+          </a:p>
+        </p:txBody>
+      </p:sp>
+      <p:sp>
+        <p:nvSpPr>
+          <p:cNvPr id="7" name="CuadroTexto 6">
+            <a:extLst>
+              <a:ext uri="{FF2B5EF4-FFF2-40B4-BE49-F238E27FC236}">
+                <a16:creationId xmlns:a16="http://schemas.microsoft.com/office/drawing/2014/main" id="{D364FE65-5C15-749D-F7DB-989D3DB1ECFB}"/>
+              </a:ext>
+            </a:extLst>
+          </p:cNvPr>
+          <p:cNvSpPr txBox="1"/>
+          <p:nvPr/>
+        </p:nvSpPr>
+        <p:spPr>
+          <a:xfrm>
+            <a:off x="5692452" y="335845"/>
+            <a:ext cx="3701579" cy="3139321"/>
+          </a:xfrm>
+          <a:prstGeom prst="rect">
+            <a:avLst/>
+          </a:prstGeom>
+          <a:noFill/>
+          <a:ln w="31750">
+            <a:solidFill>
+              <a:schemeClr val="tx1"/>
+            </a:solidFill>
+          </a:ln>
+        </p:spPr>
+        <p:txBody>
+          <a:bodyPr wrap="square" rtlCol="0">
+            <a:spAutoFit/>
+          </a:bodyPr>
+          <a:lstStyle/>
+          <a:p>
+            <a:pPr algn="l"/>
+            <a:endParaRPr lang="en-US" sz="1800" b="0" i="0" u="none" strike="noStrike" baseline="0" dirty="0">
+              <a:latin typeface="Consolas" panose="020B0609020204030204" pitchFamily="49" charset="0"/>
+            </a:endParaRPr>
+          </a:p>
+          <a:p>
+            <a:pPr algn="l"/>
+            <a:r>
+              <a:rPr lang="en-US" dirty="0">
+                <a:latin typeface="Consolas" panose="020B0609020204030204" pitchFamily="49" charset="0"/>
+              </a:rPr>
+              <a:t>y</a:t>
+            </a:r>
+            <a:r>
+              <a:rPr lang="en-US" sz="1800" b="0" i="0" u="none" strike="noStrike" baseline="0" dirty="0">
+                <a:latin typeface="Consolas" panose="020B0609020204030204" pitchFamily="49" charset="0"/>
+              </a:rPr>
+              <a:t> = -5</a:t>
+            </a:r>
+          </a:p>
+          <a:p>
+            <a:pPr algn="l"/>
+            <a:endParaRPr lang="en-US" sz="1800" b="0" i="0" u="none" strike="noStrike" baseline="0" dirty="0">
+              <a:latin typeface="Consolas" panose="020B0609020204030204" pitchFamily="49" charset="0"/>
+            </a:endParaRPr>
+          </a:p>
+          <a:p>
+            <a:pPr algn="l"/>
+            <a:r>
+              <a:rPr lang="en-US" sz="1800" b="0" i="0" u="none" strike="noStrike" baseline="0" dirty="0">
+                <a:latin typeface="Consolas" panose="020B0609020204030204" pitchFamily="49" charset="0"/>
+              </a:rPr>
+              <a:t>def </a:t>
+            </a:r>
+            <a:r>
+              <a:rPr lang="en-US" sz="1800" b="0" i="0" u="none" strike="noStrike" baseline="0" dirty="0" err="1">
+                <a:latin typeface="Consolas" panose="020B0609020204030204" pitchFamily="49" charset="0"/>
+              </a:rPr>
+              <a:t>functionA</a:t>
+            </a:r>
+            <a:r>
+              <a:rPr lang="en-US" sz="1800" b="0" i="0" u="none" strike="noStrike" baseline="0" dirty="0">
+                <a:latin typeface="Consolas" panose="020B0609020204030204" pitchFamily="49" charset="0"/>
+              </a:rPr>
+              <a:t>():</a:t>
+            </a:r>
+          </a:p>
+          <a:p>
+            <a:pPr algn="l"/>
+            <a:r>
+              <a:rPr lang="en-US" sz="1800" b="0" i="0" u="none" strike="noStrike" baseline="0" dirty="0">
+                <a:latin typeface="Consolas" panose="020B0609020204030204" pitchFamily="49" charset="0"/>
+              </a:rPr>
+              <a:t>    s = 3</a:t>
+            </a:r>
+          </a:p>
+          <a:p>
+            <a:pPr algn="l"/>
+            <a:r>
+              <a:rPr lang="en-US" sz="1800" b="1" i="0" u="none" strike="noStrike" baseline="0" dirty="0">
+                <a:latin typeface="Consolas" panose="020B0609020204030204" pitchFamily="49" charset="0"/>
+              </a:rPr>
+              <a:t>    </a:t>
+            </a:r>
+            <a:r>
+              <a:rPr lang="en-US" sz="1800" i="0" u="none" strike="noStrike" baseline="0" dirty="0">
+                <a:latin typeface="Consolas" panose="020B0609020204030204" pitchFamily="49" charset="0"/>
+              </a:rPr>
+              <a:t>return</a:t>
+            </a:r>
+            <a:r>
+              <a:rPr lang="en-US" sz="1800" b="1" i="0" u="none" strike="noStrike" baseline="0" dirty="0">
+                <a:latin typeface="Consolas" panose="020B0609020204030204" pitchFamily="49" charset="0"/>
+              </a:rPr>
+              <a:t> </a:t>
+            </a:r>
+            <a:r>
+              <a:rPr lang="en-US" sz="1800" i="0" u="none" strike="noStrike" baseline="0" dirty="0">
+                <a:latin typeface="Consolas" panose="020B0609020204030204" pitchFamily="49" charset="0"/>
+              </a:rPr>
+              <a:t>s*y*</a:t>
+            </a:r>
+            <a:r>
+              <a:rPr lang="en-US" sz="1800" i="0" u="none" strike="noStrike" baseline="0" dirty="0" err="1">
+                <a:latin typeface="Consolas" panose="020B0609020204030204" pitchFamily="49" charset="0"/>
+              </a:rPr>
+              <a:t>innerf</a:t>
+            </a:r>
+            <a:r>
+              <a:rPr lang="en-US" sz="1800" i="0" u="none" strike="noStrike" baseline="0" dirty="0">
+                <a:latin typeface="Consolas" panose="020B0609020204030204" pitchFamily="49" charset="0"/>
+              </a:rPr>
+              <a:t>()</a:t>
+            </a:r>
+          </a:p>
+          <a:p>
+            <a:pPr algn="l"/>
+            <a:r>
+              <a:rPr lang="en-US" dirty="0">
+                <a:latin typeface="Consolas" panose="020B0609020204030204" pitchFamily="49" charset="0"/>
+              </a:rPr>
+              <a:t>    </a:t>
+            </a:r>
+          </a:p>
+          <a:p>
+            <a:pPr algn="l"/>
+            <a:r>
+              <a:rPr lang="en-US" dirty="0">
+                <a:latin typeface="Consolas" panose="020B0609020204030204" pitchFamily="49" charset="0"/>
+              </a:rPr>
+              <a:t>    def </a:t>
+            </a:r>
+            <a:r>
+              <a:rPr lang="en-US" dirty="0" err="1">
+                <a:latin typeface="Consolas" panose="020B0609020204030204" pitchFamily="49" charset="0"/>
+              </a:rPr>
+              <a:t>innerf</a:t>
+            </a:r>
+            <a:r>
+              <a:rPr lang="en-US" dirty="0">
+                <a:latin typeface="Consolas" panose="020B0609020204030204" pitchFamily="49" charset="0"/>
+              </a:rPr>
+              <a:t>():</a:t>
+            </a:r>
+          </a:p>
+          <a:p>
+            <a:pPr algn="l"/>
+            <a:r>
+              <a:rPr lang="en-US" dirty="0">
+                <a:latin typeface="Consolas" panose="020B0609020204030204" pitchFamily="49" charset="0"/>
+              </a:rPr>
+              <a:t>        t = 5</a:t>
+            </a:r>
+          </a:p>
+          <a:p>
+            <a:pPr algn="l"/>
+            <a:r>
+              <a:rPr lang="en-US" dirty="0">
+                <a:latin typeface="Consolas" panose="020B0609020204030204" pitchFamily="49" charset="0"/>
+              </a:rPr>
+              <a:t>        return s*t*y</a:t>
+            </a:r>
+          </a:p>
+          <a:p>
+            <a:pPr algn="l"/>
+            <a:endParaRPr lang="en-US" dirty="0">
+              <a:latin typeface="Consolas" panose="020B0609020204030204" pitchFamily="49" charset="0"/>
+            </a:endParaRPr>
+          </a:p>
+        </p:txBody>
+      </p:sp>
+      <p:cxnSp>
+        <p:nvCxnSpPr>
+          <p:cNvPr id="45" name="Conector recto de flecha 15">
+            <a:extLst>
+              <a:ext uri="{FF2B5EF4-FFF2-40B4-BE49-F238E27FC236}">
+                <a16:creationId xmlns:a16="http://schemas.microsoft.com/office/drawing/2014/main" id="{6976718D-7EC2-622B-B9A7-14E11D3BCED4}"/>
+              </a:ext>
+            </a:extLst>
+          </p:cNvPr>
+          <p:cNvCxnSpPr>
+            <a:cxnSpLocks/>
+          </p:cNvCxnSpPr>
+          <p:nvPr/>
+        </p:nvCxnSpPr>
+        <p:spPr>
+          <a:xfrm>
+            <a:off x="797930" y="690480"/>
+            <a:ext cx="0" cy="2020970"/>
+          </a:xfrm>
+          <a:prstGeom prst="straightConnector1">
+            <a:avLst/>
+          </a:prstGeom>
+          <a:ln w="31750" cap="rnd">
+            <a:solidFill>
+              <a:srgbClr val="FF0000"/>
+            </a:solidFill>
+            <a:headEnd type="arrow" w="med" len="lg"/>
+            <a:tailEnd type="arrow" w="med" len="lg"/>
+          </a:ln>
+        </p:spPr>
+        <p:style>
+          <a:lnRef idx="1">
+            <a:schemeClr val="accent1"/>
+          </a:lnRef>
+          <a:fillRef idx="0">
+            <a:schemeClr val="accent1"/>
+          </a:fillRef>
+          <a:effectRef idx="0">
+            <a:schemeClr val="accent1"/>
+          </a:effectRef>
+          <a:fontRef idx="minor">
+            <a:schemeClr val="tx1"/>
+          </a:fontRef>
+        </p:style>
+      </p:cxnSp>
+      <p:cxnSp>
+        <p:nvCxnSpPr>
+          <p:cNvPr id="47" name="Conector recto de flecha 15">
+            <a:extLst>
+              <a:ext uri="{FF2B5EF4-FFF2-40B4-BE49-F238E27FC236}">
+                <a16:creationId xmlns:a16="http://schemas.microsoft.com/office/drawing/2014/main" id="{951E2788-A3FE-E31A-C9AA-0CDDE36B7CB7}"/>
+              </a:ext>
+            </a:extLst>
+          </p:cNvPr>
+          <p:cNvCxnSpPr>
+            <a:cxnSpLocks/>
+          </p:cNvCxnSpPr>
+          <p:nvPr/>
+        </p:nvCxnSpPr>
+        <p:spPr>
+          <a:xfrm flipH="1">
+            <a:off x="797930" y="1894875"/>
+            <a:ext cx="762422" cy="0"/>
+          </a:xfrm>
+          <a:prstGeom prst="straightConnector1">
+            <a:avLst/>
+          </a:prstGeom>
+          <a:ln w="31750" cap="rnd">
+            <a:solidFill>
+              <a:srgbClr val="FF0000"/>
+            </a:solidFill>
+            <a:headEnd type="none" w="med" len="lg"/>
+            <a:tailEnd type="none" w="med" len="lg"/>
+          </a:ln>
+        </p:spPr>
+        <p:style>
+          <a:lnRef idx="1">
+            <a:schemeClr val="accent1"/>
+          </a:lnRef>
+          <a:fillRef idx="0">
+            <a:schemeClr val="accent1"/>
+          </a:fillRef>
+          <a:effectRef idx="0">
+            <a:schemeClr val="accent1"/>
+          </a:effectRef>
+          <a:fontRef idx="minor">
+            <a:schemeClr val="tx1"/>
+          </a:fontRef>
+        </p:style>
+      </p:cxnSp>
+      <p:sp>
+        <p:nvSpPr>
+          <p:cNvPr id="53" name="CuadroTexto 52">
+            <a:extLst>
+              <a:ext uri="{FF2B5EF4-FFF2-40B4-BE49-F238E27FC236}">
+                <a16:creationId xmlns:a16="http://schemas.microsoft.com/office/drawing/2014/main" id="{1FA99931-24BE-12AD-C5BE-9B7D1916C967}"/>
+              </a:ext>
+            </a:extLst>
+          </p:cNvPr>
+          <p:cNvSpPr txBox="1"/>
+          <p:nvPr/>
+        </p:nvSpPr>
+        <p:spPr>
+          <a:xfrm>
+            <a:off x="3461942" y="701194"/>
+            <a:ext cx="437940" cy="369332"/>
+          </a:xfrm>
+          <a:prstGeom prst="rect">
+            <a:avLst/>
+          </a:prstGeom>
+          <a:noFill/>
+        </p:spPr>
+        <p:txBody>
+          <a:bodyPr wrap="square" rtlCol="0">
+            <a:spAutoFit/>
+          </a:bodyPr>
+          <a:lstStyle/>
+          <a:p>
+            <a:r>
+              <a:rPr lang="en-US" dirty="0">
+                <a:solidFill>
+                  <a:schemeClr val="accent6"/>
+                </a:solidFill>
+                <a:latin typeface="Consolas" panose="020B0609020204030204" pitchFamily="49" charset="0"/>
+              </a:rPr>
+              <a:t>r</a:t>
+            </a:r>
+          </a:p>
+        </p:txBody>
+      </p:sp>
+      <p:sp>
+        <p:nvSpPr>
+          <p:cNvPr id="55" name="Signo de multiplicación 54">
+            <a:extLst>
+              <a:ext uri="{FF2B5EF4-FFF2-40B4-BE49-F238E27FC236}">
+                <a16:creationId xmlns:a16="http://schemas.microsoft.com/office/drawing/2014/main" id="{6FBA5F35-41E1-E163-4112-A423D4938BF9}"/>
+              </a:ext>
+            </a:extLst>
+          </p:cNvPr>
+          <p:cNvSpPr/>
+          <p:nvPr/>
+        </p:nvSpPr>
+        <p:spPr>
+          <a:xfrm>
+            <a:off x="1028336" y="1680906"/>
+            <a:ext cx="434858" cy="439002"/>
+          </a:xfrm>
+          <a:prstGeom prst="mathMultiply">
+            <a:avLst>
+              <a:gd name="adj1" fmla="val 11275"/>
+            </a:avLst>
+          </a:prstGeom>
+          <a:solidFill>
+            <a:srgbClr val="FF0000"/>
+          </a:solidFill>
+          <a:ln>
+            <a:noFill/>
+          </a:ln>
+        </p:spPr>
+        <p:style>
+          <a:lnRef idx="2">
+            <a:schemeClr val="accent1">
+              <a:shade val="50000"/>
+            </a:schemeClr>
+          </a:lnRef>
+          <a:fillRef idx="1">
+            <a:schemeClr val="accent1"/>
+          </a:fillRef>
+          <a:effectRef idx="0">
+            <a:schemeClr val="accent1"/>
+          </a:effectRef>
+          <a:fontRef idx="minor">
+            <a:schemeClr val="lt1"/>
+          </a:fontRef>
+        </p:style>
+        <p:txBody>
+          <a:bodyPr rtlCol="0" anchor="ctr"/>
+          <a:lstStyle/>
+          <a:p>
+            <a:pPr algn="ctr"/>
+            <a:endParaRPr lang="en-US"/>
+          </a:p>
+        </p:txBody>
+      </p:sp>
+      <p:sp>
+        <p:nvSpPr>
+          <p:cNvPr id="57" name="CuadroTexto 56">
+            <a:extLst>
+              <a:ext uri="{FF2B5EF4-FFF2-40B4-BE49-F238E27FC236}">
+                <a16:creationId xmlns:a16="http://schemas.microsoft.com/office/drawing/2014/main" id="{C201419E-5FE6-8D21-7B2B-1953EA46070C}"/>
+              </a:ext>
+            </a:extLst>
+          </p:cNvPr>
+          <p:cNvSpPr txBox="1"/>
+          <p:nvPr/>
+        </p:nvSpPr>
+        <p:spPr>
+          <a:xfrm>
+            <a:off x="967736" y="1937580"/>
+            <a:ext cx="618759" cy="369332"/>
+          </a:xfrm>
+          <a:prstGeom prst="rect">
+            <a:avLst/>
+          </a:prstGeom>
+          <a:noFill/>
+        </p:spPr>
+        <p:txBody>
+          <a:bodyPr wrap="none" rtlCol="0">
+            <a:spAutoFit/>
+          </a:bodyPr>
+          <a:lstStyle/>
+          <a:p>
+            <a:r>
+              <a:rPr lang="en-US" dirty="0">
+                <a:solidFill>
+                  <a:srgbClr val="FF0000"/>
+                </a:solidFill>
+              </a:rPr>
+              <a:t>local</a:t>
+            </a:r>
+          </a:p>
+        </p:txBody>
+      </p:sp>
+      <p:sp>
+        <p:nvSpPr>
+          <p:cNvPr id="63" name="CuadroTexto 62">
+            <a:extLst>
+              <a:ext uri="{FF2B5EF4-FFF2-40B4-BE49-F238E27FC236}">
+                <a16:creationId xmlns:a16="http://schemas.microsoft.com/office/drawing/2014/main" id="{83DF4525-4DFC-F4EE-DA06-91C18C3E726A}"/>
+              </a:ext>
+            </a:extLst>
+          </p:cNvPr>
+          <p:cNvSpPr txBox="1"/>
+          <p:nvPr/>
+        </p:nvSpPr>
+        <p:spPr>
+          <a:xfrm>
+            <a:off x="8488302" y="1259174"/>
+            <a:ext cx="311304" cy="369332"/>
+          </a:xfrm>
+          <a:prstGeom prst="rect">
+            <a:avLst/>
+          </a:prstGeom>
+          <a:noFill/>
+        </p:spPr>
+        <p:txBody>
+          <a:bodyPr wrap="none" rtlCol="0">
+            <a:spAutoFit/>
+          </a:bodyPr>
+          <a:lstStyle/>
+          <a:p>
+            <a:r>
+              <a:rPr lang="en-US" dirty="0">
+                <a:solidFill>
+                  <a:schemeClr val="accent6"/>
+                </a:solidFill>
+                <a:latin typeface="Consolas" panose="020B0609020204030204" pitchFamily="49" charset="0"/>
+              </a:rPr>
+              <a:t>s</a:t>
+            </a:r>
+          </a:p>
+        </p:txBody>
+      </p:sp>
+      <p:sp>
+        <p:nvSpPr>
+          <p:cNvPr id="64" name="CuadroTexto 63">
+            <a:extLst>
+              <a:ext uri="{FF2B5EF4-FFF2-40B4-BE49-F238E27FC236}">
+                <a16:creationId xmlns:a16="http://schemas.microsoft.com/office/drawing/2014/main" id="{EC82D714-B59A-C76E-E442-6DB519567321}"/>
+              </a:ext>
+            </a:extLst>
+          </p:cNvPr>
+          <p:cNvSpPr txBox="1"/>
+          <p:nvPr/>
+        </p:nvSpPr>
+        <p:spPr>
+          <a:xfrm>
+            <a:off x="8859293" y="435576"/>
+            <a:ext cx="311304" cy="369332"/>
+          </a:xfrm>
+          <a:prstGeom prst="rect">
+            <a:avLst/>
+          </a:prstGeom>
+          <a:noFill/>
+        </p:spPr>
+        <p:txBody>
+          <a:bodyPr wrap="none" rtlCol="0">
+            <a:spAutoFit/>
+          </a:bodyPr>
+          <a:lstStyle/>
+          <a:p>
+            <a:r>
+              <a:rPr lang="en-US" dirty="0">
+                <a:solidFill>
+                  <a:schemeClr val="accent6"/>
+                </a:solidFill>
+                <a:latin typeface="Consolas" panose="020B0609020204030204" pitchFamily="49" charset="0"/>
+              </a:rPr>
+              <a:t>y</a:t>
+            </a:r>
+          </a:p>
+        </p:txBody>
+      </p:sp>
+      <p:cxnSp>
+        <p:nvCxnSpPr>
+          <p:cNvPr id="65" name="Conector recto de flecha 15">
+            <a:extLst>
+              <a:ext uri="{FF2B5EF4-FFF2-40B4-BE49-F238E27FC236}">
+                <a16:creationId xmlns:a16="http://schemas.microsoft.com/office/drawing/2014/main" id="{74317773-AD68-C65C-6466-291937B05719}"/>
+              </a:ext>
+            </a:extLst>
+          </p:cNvPr>
+          <p:cNvCxnSpPr>
+            <a:cxnSpLocks/>
+          </p:cNvCxnSpPr>
+          <p:nvPr/>
+        </p:nvCxnSpPr>
+        <p:spPr>
+          <a:xfrm>
+            <a:off x="5500523" y="613241"/>
+            <a:ext cx="0" cy="999670"/>
+          </a:xfrm>
+          <a:prstGeom prst="straightConnector1">
+            <a:avLst/>
+          </a:prstGeom>
+          <a:ln w="31750" cap="rnd">
+            <a:solidFill>
+              <a:srgbClr val="FF0000"/>
+            </a:solidFill>
+            <a:headEnd type="arrow" w="med" len="lg"/>
+            <a:tailEnd type="none" w="med" len="lg"/>
+          </a:ln>
+        </p:spPr>
+        <p:style>
+          <a:lnRef idx="1">
+            <a:schemeClr val="accent1"/>
+          </a:lnRef>
+          <a:fillRef idx="0">
+            <a:schemeClr val="accent1"/>
+          </a:fillRef>
+          <a:effectRef idx="0">
+            <a:schemeClr val="accent1"/>
+          </a:effectRef>
+          <a:fontRef idx="minor">
+            <a:schemeClr val="tx1"/>
+          </a:fontRef>
+        </p:style>
+      </p:cxnSp>
+      <p:cxnSp>
+        <p:nvCxnSpPr>
+          <p:cNvPr id="66" name="Conector recto de flecha 15">
+            <a:extLst>
+              <a:ext uri="{FF2B5EF4-FFF2-40B4-BE49-F238E27FC236}">
+                <a16:creationId xmlns:a16="http://schemas.microsoft.com/office/drawing/2014/main" id="{3E79E877-E3C5-88E4-8C6B-31FBF937CBAD}"/>
+              </a:ext>
+            </a:extLst>
+          </p:cNvPr>
+          <p:cNvCxnSpPr>
+            <a:cxnSpLocks/>
+          </p:cNvCxnSpPr>
+          <p:nvPr/>
+        </p:nvCxnSpPr>
+        <p:spPr>
+          <a:xfrm flipH="1">
+            <a:off x="5500523" y="1628506"/>
+            <a:ext cx="709777" cy="0"/>
+          </a:xfrm>
+          <a:prstGeom prst="straightConnector1">
+            <a:avLst/>
+          </a:prstGeom>
+          <a:ln w="31750" cap="rnd">
+            <a:solidFill>
+              <a:srgbClr val="FF0000"/>
+            </a:solidFill>
+            <a:headEnd type="none" w="med" len="lg"/>
+            <a:tailEnd type="none" w="med" len="lg"/>
+          </a:ln>
+        </p:spPr>
+        <p:style>
+          <a:lnRef idx="1">
+            <a:schemeClr val="accent1"/>
+          </a:lnRef>
+          <a:fillRef idx="0">
+            <a:schemeClr val="accent1"/>
+          </a:fillRef>
+          <a:effectRef idx="0">
+            <a:schemeClr val="accent1"/>
+          </a:effectRef>
+          <a:fontRef idx="minor">
+            <a:schemeClr val="tx1"/>
+          </a:fontRef>
+        </p:style>
+      </p:cxnSp>
+      <p:sp>
+        <p:nvSpPr>
+          <p:cNvPr id="67" name="Signo de multiplicación 66">
+            <a:extLst>
+              <a:ext uri="{FF2B5EF4-FFF2-40B4-BE49-F238E27FC236}">
+                <a16:creationId xmlns:a16="http://schemas.microsoft.com/office/drawing/2014/main" id="{B9ED9E81-D8C1-4151-95E8-27766A238602}"/>
+              </a:ext>
+            </a:extLst>
+          </p:cNvPr>
+          <p:cNvSpPr/>
+          <p:nvPr/>
+        </p:nvSpPr>
+        <p:spPr>
+          <a:xfrm>
+            <a:off x="5768911" y="1420605"/>
+            <a:ext cx="434858" cy="439002"/>
+          </a:xfrm>
+          <a:prstGeom prst="mathMultiply">
+            <a:avLst>
+              <a:gd name="adj1" fmla="val 11275"/>
+            </a:avLst>
+          </a:prstGeom>
+          <a:solidFill>
+            <a:srgbClr val="FF0000"/>
+          </a:solidFill>
+          <a:ln>
+            <a:noFill/>
+          </a:ln>
+        </p:spPr>
+        <p:style>
+          <a:lnRef idx="2">
+            <a:schemeClr val="accent1">
+              <a:shade val="50000"/>
+            </a:schemeClr>
+          </a:lnRef>
+          <a:fillRef idx="1">
+            <a:schemeClr val="accent1"/>
+          </a:fillRef>
+          <a:effectRef idx="0">
+            <a:schemeClr val="accent1"/>
+          </a:effectRef>
+          <a:fontRef idx="minor">
+            <a:schemeClr val="lt1"/>
+          </a:fontRef>
+        </p:style>
+        <p:txBody>
+          <a:bodyPr rtlCol="0" anchor="ctr"/>
+          <a:lstStyle/>
+          <a:p>
+            <a:pPr algn="ctr"/>
+            <a:endParaRPr lang="en-US"/>
+          </a:p>
+        </p:txBody>
+      </p:sp>
+      <p:sp>
+        <p:nvSpPr>
+          <p:cNvPr id="68" name="CuadroTexto 67">
+            <a:extLst>
+              <a:ext uri="{FF2B5EF4-FFF2-40B4-BE49-F238E27FC236}">
+                <a16:creationId xmlns:a16="http://schemas.microsoft.com/office/drawing/2014/main" id="{32F12CBC-657B-F8B0-C85B-9FA1F93E24BA}"/>
+              </a:ext>
+            </a:extLst>
+          </p:cNvPr>
+          <p:cNvSpPr txBox="1"/>
+          <p:nvPr/>
+        </p:nvSpPr>
+        <p:spPr>
+          <a:xfrm>
+            <a:off x="5678245" y="1674941"/>
+            <a:ext cx="618759" cy="369332"/>
+          </a:xfrm>
+          <a:prstGeom prst="rect">
+            <a:avLst/>
+          </a:prstGeom>
+          <a:noFill/>
+        </p:spPr>
+        <p:txBody>
+          <a:bodyPr wrap="none" rtlCol="0">
+            <a:spAutoFit/>
+          </a:bodyPr>
+          <a:lstStyle/>
+          <a:p>
+            <a:r>
+              <a:rPr lang="en-US" dirty="0">
+                <a:solidFill>
+                  <a:srgbClr val="FF0000"/>
+                </a:solidFill>
+              </a:rPr>
+              <a:t>local</a:t>
+            </a:r>
+          </a:p>
+        </p:txBody>
+      </p:sp>
+      <p:cxnSp>
+        <p:nvCxnSpPr>
+          <p:cNvPr id="72" name="Conector recto de flecha 15">
+            <a:extLst>
+              <a:ext uri="{FF2B5EF4-FFF2-40B4-BE49-F238E27FC236}">
+                <a16:creationId xmlns:a16="http://schemas.microsoft.com/office/drawing/2014/main" id="{E53A8586-73AA-F2CA-CA19-5D45C43C4408}"/>
+              </a:ext>
+            </a:extLst>
+          </p:cNvPr>
+          <p:cNvCxnSpPr>
+            <a:cxnSpLocks/>
+          </p:cNvCxnSpPr>
+          <p:nvPr/>
+        </p:nvCxnSpPr>
+        <p:spPr>
+          <a:xfrm>
+            <a:off x="6096000" y="2119908"/>
+            <a:ext cx="0" cy="1187172"/>
+          </a:xfrm>
+          <a:prstGeom prst="straightConnector1">
+            <a:avLst/>
+          </a:prstGeom>
+          <a:ln w="31750" cap="rnd">
+            <a:solidFill>
+              <a:srgbClr val="FF0000"/>
+            </a:solidFill>
+            <a:headEnd type="arrow" w="med" len="lg"/>
+            <a:tailEnd type="arrow" w="med" len="lg"/>
+          </a:ln>
+        </p:spPr>
+        <p:style>
+          <a:lnRef idx="1">
+            <a:schemeClr val="accent1"/>
+          </a:lnRef>
+          <a:fillRef idx="0">
+            <a:schemeClr val="accent1"/>
+          </a:fillRef>
+          <a:effectRef idx="0">
+            <a:schemeClr val="accent1"/>
+          </a:effectRef>
+          <a:fontRef idx="minor">
+            <a:schemeClr val="tx1"/>
+          </a:fontRef>
+        </p:style>
+      </p:cxnSp>
+      <p:cxnSp>
+        <p:nvCxnSpPr>
+          <p:cNvPr id="73" name="Conector recto de flecha 15">
+            <a:extLst>
+              <a:ext uri="{FF2B5EF4-FFF2-40B4-BE49-F238E27FC236}">
+                <a16:creationId xmlns:a16="http://schemas.microsoft.com/office/drawing/2014/main" id="{7C2C18CB-B22B-F946-7E76-A87FA8B22884}"/>
+              </a:ext>
+            </a:extLst>
+          </p:cNvPr>
+          <p:cNvCxnSpPr>
+            <a:cxnSpLocks/>
+          </p:cNvCxnSpPr>
+          <p:nvPr/>
+        </p:nvCxnSpPr>
+        <p:spPr>
+          <a:xfrm flipH="1">
+            <a:off x="6096000" y="2719605"/>
+            <a:ext cx="608062" cy="0"/>
+          </a:xfrm>
+          <a:prstGeom prst="straightConnector1">
+            <a:avLst/>
+          </a:prstGeom>
+          <a:ln w="31750" cap="rnd">
+            <a:solidFill>
+              <a:srgbClr val="FF0000"/>
+            </a:solidFill>
+            <a:headEnd type="none" w="med" len="lg"/>
+            <a:tailEnd type="none" w="med" len="lg"/>
+          </a:ln>
+        </p:spPr>
+        <p:style>
+          <a:lnRef idx="1">
+            <a:schemeClr val="accent1"/>
+          </a:lnRef>
+          <a:fillRef idx="0">
+            <a:schemeClr val="accent1"/>
+          </a:fillRef>
+          <a:effectRef idx="0">
+            <a:schemeClr val="accent1"/>
+          </a:effectRef>
+          <a:fontRef idx="minor">
+            <a:schemeClr val="tx1"/>
+          </a:fontRef>
+        </p:style>
+      </p:cxnSp>
+      <p:sp>
+        <p:nvSpPr>
+          <p:cNvPr id="74" name="Signo de multiplicación 73">
+            <a:extLst>
+              <a:ext uri="{FF2B5EF4-FFF2-40B4-BE49-F238E27FC236}">
+                <a16:creationId xmlns:a16="http://schemas.microsoft.com/office/drawing/2014/main" id="{A89E26C9-8738-A88B-E7DD-E72FF09823C9}"/>
+              </a:ext>
+            </a:extLst>
+          </p:cNvPr>
+          <p:cNvSpPr/>
+          <p:nvPr/>
+        </p:nvSpPr>
+        <p:spPr>
+          <a:xfrm>
+            <a:off x="6182602" y="2500104"/>
+            <a:ext cx="434858" cy="439002"/>
+          </a:xfrm>
+          <a:prstGeom prst="mathMultiply">
+            <a:avLst>
+              <a:gd name="adj1" fmla="val 11275"/>
+            </a:avLst>
+          </a:prstGeom>
+          <a:solidFill>
+            <a:srgbClr val="FF0000"/>
+          </a:solidFill>
+          <a:ln>
+            <a:noFill/>
+          </a:ln>
+        </p:spPr>
+        <p:style>
+          <a:lnRef idx="2">
+            <a:schemeClr val="accent1">
+              <a:shade val="50000"/>
+            </a:schemeClr>
+          </a:lnRef>
+          <a:fillRef idx="1">
+            <a:schemeClr val="accent1"/>
+          </a:fillRef>
+          <a:effectRef idx="0">
+            <a:schemeClr val="accent1"/>
+          </a:effectRef>
+          <a:fontRef idx="minor">
+            <a:schemeClr val="lt1"/>
+          </a:fontRef>
+        </p:style>
+        <p:txBody>
+          <a:bodyPr rtlCol="0" anchor="ctr"/>
+          <a:lstStyle/>
+          <a:p>
+            <a:pPr algn="ctr"/>
+            <a:endParaRPr lang="en-US"/>
+          </a:p>
+        </p:txBody>
+      </p:sp>
+      <p:sp>
+        <p:nvSpPr>
+          <p:cNvPr id="75" name="CuadroTexto 74">
+            <a:extLst>
+              <a:ext uri="{FF2B5EF4-FFF2-40B4-BE49-F238E27FC236}">
+                <a16:creationId xmlns:a16="http://schemas.microsoft.com/office/drawing/2014/main" id="{95552828-5C72-BCE0-96FD-2B20A9D6A693}"/>
+              </a:ext>
+            </a:extLst>
+          </p:cNvPr>
+          <p:cNvSpPr txBox="1"/>
+          <p:nvPr/>
+        </p:nvSpPr>
+        <p:spPr>
+          <a:xfrm>
+            <a:off x="6085303" y="2767937"/>
+            <a:ext cx="618759" cy="369332"/>
+          </a:xfrm>
+          <a:prstGeom prst="rect">
+            <a:avLst/>
+          </a:prstGeom>
+          <a:noFill/>
+        </p:spPr>
+        <p:txBody>
+          <a:bodyPr wrap="none" rtlCol="0">
+            <a:spAutoFit/>
+          </a:bodyPr>
+          <a:lstStyle/>
+          <a:p>
+            <a:r>
+              <a:rPr lang="en-US" dirty="0">
+                <a:solidFill>
+                  <a:srgbClr val="FF0000"/>
+                </a:solidFill>
+              </a:rPr>
+              <a:t>local</a:t>
+            </a:r>
+          </a:p>
+        </p:txBody>
+      </p:sp>
+      <p:cxnSp>
+        <p:nvCxnSpPr>
+          <p:cNvPr id="88" name="Conector: angular 87">
+            <a:extLst>
+              <a:ext uri="{FF2B5EF4-FFF2-40B4-BE49-F238E27FC236}">
+                <a16:creationId xmlns:a16="http://schemas.microsoft.com/office/drawing/2014/main" id="{E165D895-3C5C-7FD5-6B8B-CB3D5C41C550}"/>
+              </a:ext>
+            </a:extLst>
+          </p:cNvPr>
+          <p:cNvCxnSpPr>
+            <a:cxnSpLocks/>
+            <a:stCxn id="5" idx="0"/>
+            <a:endCxn id="7" idx="0"/>
+          </p:cNvCxnSpPr>
+          <p:nvPr/>
+        </p:nvCxnSpPr>
+        <p:spPr>
+          <a:xfrm rot="5400000" flipH="1" flipV="1">
+            <a:off x="5194884" y="-2012512"/>
+            <a:ext cx="12700" cy="4696715"/>
+          </a:xfrm>
+          <a:prstGeom prst="bentConnector3">
+            <a:avLst>
+              <a:gd name="adj1" fmla="val 6722449"/>
+            </a:avLst>
+          </a:prstGeom>
+          <a:ln w="31750" cap="rnd">
+            <a:solidFill>
+              <a:srgbClr val="C00000"/>
+            </a:solidFill>
+            <a:tailEnd type="arrow" w="med" len="lg"/>
+          </a:ln>
+        </p:spPr>
+        <p:style>
+          <a:lnRef idx="1">
+            <a:schemeClr val="accent1"/>
+          </a:lnRef>
+          <a:fillRef idx="0">
+            <a:schemeClr val="accent1"/>
+          </a:fillRef>
+          <a:effectRef idx="0">
+            <a:schemeClr val="accent1"/>
+          </a:effectRef>
+          <a:fontRef idx="minor">
+            <a:schemeClr val="tx1"/>
+          </a:fontRef>
+        </p:style>
+      </p:cxnSp>
+      <p:sp>
+        <p:nvSpPr>
+          <p:cNvPr id="92" name="Signo de multiplicación 91">
+            <a:extLst>
+              <a:ext uri="{FF2B5EF4-FFF2-40B4-BE49-F238E27FC236}">
+                <a16:creationId xmlns:a16="http://schemas.microsoft.com/office/drawing/2014/main" id="{5AC16C7E-9BCE-FDC0-A481-9A14DA81C5EF}"/>
+              </a:ext>
+            </a:extLst>
+          </p:cNvPr>
+          <p:cNvSpPr/>
+          <p:nvPr/>
+        </p:nvSpPr>
+        <p:spPr>
+          <a:xfrm>
+            <a:off x="5207297" y="-730174"/>
+            <a:ext cx="434858" cy="439002"/>
+          </a:xfrm>
+          <a:prstGeom prst="mathMultiply">
+            <a:avLst>
+              <a:gd name="adj1" fmla="val 11275"/>
+            </a:avLst>
+          </a:prstGeom>
+          <a:solidFill>
+            <a:srgbClr val="FF0000"/>
+          </a:solidFill>
+          <a:ln>
+            <a:noFill/>
+          </a:ln>
+        </p:spPr>
+        <p:style>
+          <a:lnRef idx="2">
+            <a:schemeClr val="accent1">
+              <a:shade val="50000"/>
+            </a:schemeClr>
+          </a:lnRef>
+          <a:fillRef idx="1">
+            <a:schemeClr val="accent1"/>
+          </a:fillRef>
+          <a:effectRef idx="0">
+            <a:schemeClr val="accent1"/>
+          </a:effectRef>
+          <a:fontRef idx="minor">
+            <a:schemeClr val="lt1"/>
+          </a:fontRef>
+        </p:style>
+        <p:txBody>
+          <a:bodyPr rtlCol="0" anchor="ctr"/>
+          <a:lstStyle/>
+          <a:p>
+            <a:pPr algn="ctr"/>
+            <a:endParaRPr lang="en-US"/>
+          </a:p>
+        </p:txBody>
+      </p:sp>
+      <p:cxnSp>
+        <p:nvCxnSpPr>
+          <p:cNvPr id="111" name="Conector recto de flecha 15">
+            <a:extLst>
+              <a:ext uri="{FF2B5EF4-FFF2-40B4-BE49-F238E27FC236}">
+                <a16:creationId xmlns:a16="http://schemas.microsoft.com/office/drawing/2014/main" id="{AC29972A-51E6-4CDF-1C18-A622C09005E7}"/>
+              </a:ext>
+            </a:extLst>
+          </p:cNvPr>
+          <p:cNvCxnSpPr>
+            <a:cxnSpLocks/>
+          </p:cNvCxnSpPr>
+          <p:nvPr/>
+        </p:nvCxnSpPr>
+        <p:spPr>
+          <a:xfrm flipV="1">
+            <a:off x="3353965" y="-232436"/>
+            <a:ext cx="0" cy="574632"/>
+          </a:xfrm>
+          <a:prstGeom prst="straightConnector1">
+            <a:avLst/>
+          </a:prstGeom>
+          <a:ln w="31750" cap="rnd">
+            <a:solidFill>
+              <a:schemeClr val="accent6"/>
+            </a:solidFill>
+            <a:headEnd type="arrow" w="med" len="lg"/>
+            <a:tailEnd type="none" w="med" len="lg"/>
+          </a:ln>
+        </p:spPr>
+        <p:style>
+          <a:lnRef idx="1">
+            <a:schemeClr val="accent1"/>
+          </a:lnRef>
+          <a:fillRef idx="0">
+            <a:schemeClr val="accent1"/>
+          </a:fillRef>
+          <a:effectRef idx="0">
+            <a:schemeClr val="accent1"/>
+          </a:effectRef>
+          <a:fontRef idx="minor">
+            <a:schemeClr val="tx1"/>
+          </a:fontRef>
+        </p:style>
+      </p:cxnSp>
+      <p:sp>
+        <p:nvSpPr>
+          <p:cNvPr id="35" name="CuadroTexto 34">
+            <a:extLst>
+              <a:ext uri="{FF2B5EF4-FFF2-40B4-BE49-F238E27FC236}">
+                <a16:creationId xmlns:a16="http://schemas.microsoft.com/office/drawing/2014/main" id="{2BFCF7B6-E522-B175-19BD-3699CF0ACFC4}"/>
+              </a:ext>
+            </a:extLst>
+          </p:cNvPr>
+          <p:cNvSpPr txBox="1"/>
+          <p:nvPr/>
+        </p:nvSpPr>
+        <p:spPr>
+          <a:xfrm>
+            <a:off x="4840018" y="-211802"/>
+            <a:ext cx="753732" cy="369332"/>
+          </a:xfrm>
+          <a:prstGeom prst="rect">
+            <a:avLst/>
+          </a:prstGeom>
+          <a:noFill/>
+        </p:spPr>
+        <p:txBody>
+          <a:bodyPr wrap="none" rtlCol="0">
+            <a:spAutoFit/>
+          </a:bodyPr>
+          <a:lstStyle/>
+          <a:p>
+            <a:r>
+              <a:rPr lang="en-US" dirty="0">
+                <a:solidFill>
+                  <a:schemeClr val="accent6"/>
+                </a:solidFill>
+              </a:rPr>
+              <a:t>global</a:t>
+            </a:r>
+          </a:p>
+        </p:txBody>
+      </p:sp>
+      <p:cxnSp>
+        <p:nvCxnSpPr>
+          <p:cNvPr id="48" name="Conector recto de flecha 15">
+            <a:extLst>
+              <a:ext uri="{FF2B5EF4-FFF2-40B4-BE49-F238E27FC236}">
+                <a16:creationId xmlns:a16="http://schemas.microsoft.com/office/drawing/2014/main" id="{39AC199D-07A2-82DE-59E8-3DF9671C60E7}"/>
+              </a:ext>
+            </a:extLst>
+          </p:cNvPr>
+          <p:cNvCxnSpPr>
+            <a:cxnSpLocks/>
+          </p:cNvCxnSpPr>
+          <p:nvPr/>
+        </p:nvCxnSpPr>
+        <p:spPr>
+          <a:xfrm flipV="1">
+            <a:off x="8859293" y="1640106"/>
+            <a:ext cx="0" cy="1537434"/>
+          </a:xfrm>
+          <a:prstGeom prst="straightConnector1">
+            <a:avLst/>
+          </a:prstGeom>
+          <a:ln w="31750" cap="rnd">
+            <a:solidFill>
+              <a:schemeClr val="accent6"/>
+            </a:solidFill>
+            <a:headEnd type="arrow" w="med" len="lg"/>
+            <a:tailEnd type="none" w="med" len="lg"/>
+          </a:ln>
+        </p:spPr>
+        <p:style>
+          <a:lnRef idx="1">
+            <a:schemeClr val="accent1"/>
+          </a:lnRef>
+          <a:fillRef idx="0">
+            <a:schemeClr val="accent1"/>
+          </a:fillRef>
+          <a:effectRef idx="0">
+            <a:schemeClr val="accent1"/>
+          </a:effectRef>
+          <a:fontRef idx="minor">
+            <a:schemeClr val="tx1"/>
+          </a:fontRef>
+        </p:style>
+      </p:cxnSp>
+      <p:cxnSp>
+        <p:nvCxnSpPr>
+          <p:cNvPr id="49" name="Conector recto de flecha 15">
+            <a:extLst>
+              <a:ext uri="{FF2B5EF4-FFF2-40B4-BE49-F238E27FC236}">
+                <a16:creationId xmlns:a16="http://schemas.microsoft.com/office/drawing/2014/main" id="{DCB47CBF-80ED-A273-5C21-988C8A0E9421}"/>
+              </a:ext>
+            </a:extLst>
+          </p:cNvPr>
+          <p:cNvCxnSpPr>
+            <a:cxnSpLocks/>
+          </p:cNvCxnSpPr>
+          <p:nvPr/>
+        </p:nvCxnSpPr>
+        <p:spPr>
+          <a:xfrm flipH="1">
+            <a:off x="6985645" y="1628506"/>
+            <a:ext cx="1873648" cy="0"/>
+          </a:xfrm>
+          <a:prstGeom prst="straightConnector1">
+            <a:avLst/>
+          </a:prstGeom>
+          <a:ln w="31750" cap="rnd">
+            <a:solidFill>
+              <a:schemeClr val="accent6"/>
+            </a:solidFill>
+            <a:headEnd type="none" w="med" len="lg"/>
+            <a:tailEnd type="none" w="med" len="lg"/>
+          </a:ln>
+        </p:spPr>
+        <p:style>
+          <a:lnRef idx="1">
+            <a:schemeClr val="accent1"/>
+          </a:lnRef>
+          <a:fillRef idx="0">
+            <a:schemeClr val="accent1"/>
+          </a:fillRef>
+          <a:effectRef idx="0">
+            <a:schemeClr val="accent1"/>
+          </a:effectRef>
+          <a:fontRef idx="minor">
+            <a:schemeClr val="tx1"/>
+          </a:fontRef>
+        </p:style>
+      </p:cxnSp>
+      <p:cxnSp>
+        <p:nvCxnSpPr>
+          <p:cNvPr id="58" name="Conector recto de flecha 15">
+            <a:extLst>
+              <a:ext uri="{FF2B5EF4-FFF2-40B4-BE49-F238E27FC236}">
+                <a16:creationId xmlns:a16="http://schemas.microsoft.com/office/drawing/2014/main" id="{206814E3-9FF4-E74D-2ED7-D861A36CFB76}"/>
+              </a:ext>
+            </a:extLst>
+          </p:cNvPr>
+          <p:cNvCxnSpPr>
+            <a:cxnSpLocks/>
+          </p:cNvCxnSpPr>
+          <p:nvPr/>
+        </p:nvCxnSpPr>
+        <p:spPr>
+          <a:xfrm flipV="1">
+            <a:off x="9585960" y="812363"/>
+            <a:ext cx="0" cy="2228839"/>
+          </a:xfrm>
+          <a:prstGeom prst="straightConnector1">
+            <a:avLst/>
+          </a:prstGeom>
+          <a:ln w="31750" cap="rnd">
+            <a:solidFill>
+              <a:schemeClr val="accent6"/>
+            </a:solidFill>
+            <a:headEnd type="arrow" w="med" len="lg"/>
+            <a:tailEnd type="none" w="med" len="lg"/>
+          </a:ln>
+        </p:spPr>
+        <p:style>
+          <a:lnRef idx="1">
+            <a:schemeClr val="accent1"/>
+          </a:lnRef>
+          <a:fillRef idx="0">
+            <a:schemeClr val="accent1"/>
+          </a:fillRef>
+          <a:effectRef idx="0">
+            <a:schemeClr val="accent1"/>
+          </a:effectRef>
+          <a:fontRef idx="minor">
+            <a:schemeClr val="tx1"/>
+          </a:fontRef>
+        </p:style>
+      </p:cxnSp>
+      <p:cxnSp>
+        <p:nvCxnSpPr>
+          <p:cNvPr id="59" name="Conector recto de flecha 15">
+            <a:extLst>
+              <a:ext uri="{FF2B5EF4-FFF2-40B4-BE49-F238E27FC236}">
+                <a16:creationId xmlns:a16="http://schemas.microsoft.com/office/drawing/2014/main" id="{20B471CC-4AEB-4A0B-E6A8-AEAACE482589}"/>
+              </a:ext>
+            </a:extLst>
+          </p:cNvPr>
+          <p:cNvCxnSpPr>
+            <a:cxnSpLocks/>
+          </p:cNvCxnSpPr>
+          <p:nvPr/>
+        </p:nvCxnSpPr>
+        <p:spPr>
+          <a:xfrm flipH="1">
+            <a:off x="6603681" y="815972"/>
+            <a:ext cx="2982279" cy="0"/>
+          </a:xfrm>
+          <a:prstGeom prst="straightConnector1">
+            <a:avLst/>
+          </a:prstGeom>
+          <a:ln w="31750" cap="rnd">
+            <a:solidFill>
+              <a:schemeClr val="accent6"/>
+            </a:solidFill>
+            <a:headEnd type="none" w="med" len="lg"/>
+            <a:tailEnd type="none" w="med" len="lg"/>
+          </a:ln>
+        </p:spPr>
+        <p:style>
+          <a:lnRef idx="1">
+            <a:schemeClr val="accent1"/>
+          </a:lnRef>
+          <a:fillRef idx="0">
+            <a:schemeClr val="accent1"/>
+          </a:fillRef>
+          <a:effectRef idx="0">
+            <a:schemeClr val="accent1"/>
+          </a:effectRef>
+          <a:fontRef idx="minor">
+            <a:schemeClr val="tx1"/>
+          </a:fontRef>
+        </p:style>
+      </p:cxnSp>
+      <p:cxnSp>
+        <p:nvCxnSpPr>
+          <p:cNvPr id="40" name="Conector recto de flecha 15">
+            <a:extLst>
+              <a:ext uri="{FF2B5EF4-FFF2-40B4-BE49-F238E27FC236}">
+                <a16:creationId xmlns:a16="http://schemas.microsoft.com/office/drawing/2014/main" id="{CC66758C-F518-134E-4A2F-9B5FF4CC1353}"/>
+              </a:ext>
+            </a:extLst>
+          </p:cNvPr>
+          <p:cNvCxnSpPr>
+            <a:cxnSpLocks/>
+          </p:cNvCxnSpPr>
+          <p:nvPr/>
+        </p:nvCxnSpPr>
+        <p:spPr>
+          <a:xfrm flipV="1">
+            <a:off x="4840018" y="1049469"/>
+            <a:ext cx="0" cy="1413964"/>
+          </a:xfrm>
+          <a:prstGeom prst="straightConnector1">
+            <a:avLst/>
+          </a:prstGeom>
+          <a:ln w="31750" cap="rnd">
+            <a:solidFill>
+              <a:schemeClr val="accent6"/>
+            </a:solidFill>
+            <a:headEnd type="arrow" w="med" len="lg"/>
+            <a:tailEnd type="none" w="med" len="lg"/>
+          </a:ln>
+        </p:spPr>
+        <p:style>
+          <a:lnRef idx="1">
+            <a:schemeClr val="accent1"/>
+          </a:lnRef>
+          <a:fillRef idx="0">
+            <a:schemeClr val="accent1"/>
+          </a:fillRef>
+          <a:effectRef idx="0">
+            <a:schemeClr val="accent1"/>
+          </a:effectRef>
+          <a:fontRef idx="minor">
+            <a:schemeClr val="tx1"/>
+          </a:fontRef>
+        </p:style>
+      </p:cxnSp>
+      <p:cxnSp>
+        <p:nvCxnSpPr>
+          <p:cNvPr id="41" name="Conector recto de flecha 15">
+            <a:extLst>
+              <a:ext uri="{FF2B5EF4-FFF2-40B4-BE49-F238E27FC236}">
+                <a16:creationId xmlns:a16="http://schemas.microsoft.com/office/drawing/2014/main" id="{C27AE2E6-B3BD-76AB-C8C4-EB71A3DB70C2}"/>
+              </a:ext>
+            </a:extLst>
+          </p:cNvPr>
+          <p:cNvCxnSpPr>
+            <a:cxnSpLocks/>
+          </p:cNvCxnSpPr>
+          <p:nvPr/>
+        </p:nvCxnSpPr>
+        <p:spPr>
+          <a:xfrm flipH="1">
+            <a:off x="2046914" y="1049469"/>
+            <a:ext cx="2793104" cy="10343"/>
+          </a:xfrm>
+          <a:prstGeom prst="straightConnector1">
+            <a:avLst/>
+          </a:prstGeom>
+          <a:ln w="31750" cap="rnd">
+            <a:solidFill>
+              <a:schemeClr val="accent6"/>
+            </a:solidFill>
+            <a:headEnd type="none" w="med" len="lg"/>
+            <a:tailEnd type="none" w="med" len="lg"/>
+          </a:ln>
+        </p:spPr>
+        <p:style>
+          <a:lnRef idx="1">
+            <a:schemeClr val="accent1"/>
+          </a:lnRef>
+          <a:fillRef idx="0">
+            <a:schemeClr val="accent1"/>
+          </a:fillRef>
+          <a:effectRef idx="0">
+            <a:schemeClr val="accent1"/>
+          </a:effectRef>
+          <a:fontRef idx="minor">
+            <a:schemeClr val="tx1"/>
+          </a:fontRef>
+        </p:style>
+      </p:cxnSp>
+      <p:sp>
+        <p:nvSpPr>
+          <p:cNvPr id="61" name="CuadroTexto 60">
+            <a:extLst>
+              <a:ext uri="{FF2B5EF4-FFF2-40B4-BE49-F238E27FC236}">
+                <a16:creationId xmlns:a16="http://schemas.microsoft.com/office/drawing/2014/main" id="{1D37608F-13DA-D613-CBB6-4109046F8603}"/>
+              </a:ext>
+            </a:extLst>
+          </p:cNvPr>
+          <p:cNvSpPr txBox="1"/>
+          <p:nvPr/>
+        </p:nvSpPr>
+        <p:spPr>
+          <a:xfrm>
+            <a:off x="5692452" y="3481315"/>
+            <a:ext cx="1115997" cy="369332"/>
+          </a:xfrm>
+          <a:prstGeom prst="rect">
+            <a:avLst/>
+          </a:prstGeom>
+          <a:noFill/>
+          <a:ln w="31750">
+            <a:solidFill>
+              <a:schemeClr val="tx1"/>
+            </a:solidFill>
+          </a:ln>
+        </p:spPr>
+        <p:txBody>
+          <a:bodyPr wrap="square" rtlCol="0">
+            <a:spAutoFit/>
+          </a:bodyPr>
+          <a:lstStyle/>
+          <a:p>
+            <a:r>
+              <a:rPr lang="en-US" sz="1800" b="0" i="0" u="none" strike="noStrike" baseline="0" dirty="0">
+                <a:latin typeface="Consolas" panose="020B0609020204030204" pitchFamily="49" charset="0"/>
+              </a:rPr>
+              <a:t>modA.py</a:t>
+            </a:r>
+            <a:endParaRPr lang="en-US" dirty="0">
+              <a:latin typeface="Consolas" panose="020B0609020204030204" pitchFamily="49" charset="0"/>
+            </a:endParaRPr>
+          </a:p>
+        </p:txBody>
+      </p:sp>
+      <p:sp>
+        <p:nvSpPr>
+          <p:cNvPr id="69" name="CuadroTexto 68">
+            <a:extLst>
+              <a:ext uri="{FF2B5EF4-FFF2-40B4-BE49-F238E27FC236}">
+                <a16:creationId xmlns:a16="http://schemas.microsoft.com/office/drawing/2014/main" id="{932F7C8C-9EAC-9344-C2D4-47FC001019AF}"/>
+              </a:ext>
+            </a:extLst>
+          </p:cNvPr>
+          <p:cNvSpPr txBox="1"/>
+          <p:nvPr/>
+        </p:nvSpPr>
+        <p:spPr>
+          <a:xfrm>
+            <a:off x="991941" y="2926124"/>
+            <a:ext cx="1115997" cy="369332"/>
+          </a:xfrm>
+          <a:prstGeom prst="rect">
+            <a:avLst/>
+          </a:prstGeom>
+          <a:noFill/>
+          <a:ln w="31750">
+            <a:solidFill>
+              <a:schemeClr val="tx1"/>
+            </a:solidFill>
+          </a:ln>
+        </p:spPr>
+        <p:txBody>
+          <a:bodyPr wrap="square" rtlCol="0">
+            <a:spAutoFit/>
+          </a:bodyPr>
+          <a:lstStyle/>
+          <a:p>
+            <a:r>
+              <a:rPr lang="en-US" sz="1800" b="0" i="0" u="none" strike="noStrike" baseline="0" dirty="0">
+                <a:latin typeface="Consolas" panose="020B0609020204030204" pitchFamily="49" charset="0"/>
+              </a:rPr>
+              <a:t>main.py</a:t>
+            </a:r>
+            <a:endParaRPr lang="en-US" dirty="0">
+              <a:latin typeface="Consolas" panose="020B0609020204030204" pitchFamily="49" charset="0"/>
+            </a:endParaRPr>
+          </a:p>
+        </p:txBody>
+      </p:sp>
+      <p:cxnSp>
+        <p:nvCxnSpPr>
+          <p:cNvPr id="70" name="Conector recto de flecha 15">
+            <a:extLst>
+              <a:ext uri="{FF2B5EF4-FFF2-40B4-BE49-F238E27FC236}">
+                <a16:creationId xmlns:a16="http://schemas.microsoft.com/office/drawing/2014/main" id="{A54D90D2-BB71-C2AD-8F0E-BDE55DAE18D8}"/>
+              </a:ext>
+            </a:extLst>
+          </p:cNvPr>
+          <p:cNvCxnSpPr>
+            <a:cxnSpLocks/>
+          </p:cNvCxnSpPr>
+          <p:nvPr/>
+        </p:nvCxnSpPr>
+        <p:spPr>
+          <a:xfrm flipV="1">
+            <a:off x="7079989" y="-232436"/>
+            <a:ext cx="0" cy="561931"/>
+          </a:xfrm>
+          <a:prstGeom prst="straightConnector1">
+            <a:avLst/>
+          </a:prstGeom>
+          <a:ln w="31750" cap="rnd">
+            <a:solidFill>
+              <a:schemeClr val="accent6"/>
+            </a:solidFill>
+            <a:headEnd type="none" w="med" len="lg"/>
+            <a:tailEnd type="none" w="med" len="lg"/>
+          </a:ln>
+        </p:spPr>
+        <p:style>
+          <a:lnRef idx="1">
+            <a:schemeClr val="accent1"/>
+          </a:lnRef>
+          <a:fillRef idx="0">
+            <a:schemeClr val="accent1"/>
+          </a:fillRef>
+          <a:effectRef idx="0">
+            <a:schemeClr val="accent1"/>
+          </a:effectRef>
+          <a:fontRef idx="minor">
+            <a:schemeClr val="tx1"/>
+          </a:fontRef>
+        </p:style>
+      </p:cxnSp>
+      <p:cxnSp>
+        <p:nvCxnSpPr>
+          <p:cNvPr id="71" name="Conector recto de flecha 15">
+            <a:extLst>
+              <a:ext uri="{FF2B5EF4-FFF2-40B4-BE49-F238E27FC236}">
+                <a16:creationId xmlns:a16="http://schemas.microsoft.com/office/drawing/2014/main" id="{86A159BF-B622-5671-4CBA-CF677881A0FC}"/>
+              </a:ext>
+            </a:extLst>
+          </p:cNvPr>
+          <p:cNvCxnSpPr>
+            <a:cxnSpLocks/>
+          </p:cNvCxnSpPr>
+          <p:nvPr/>
+        </p:nvCxnSpPr>
+        <p:spPr>
+          <a:xfrm flipH="1">
+            <a:off x="3353965" y="-232436"/>
+            <a:ext cx="3726024" cy="0"/>
+          </a:xfrm>
+          <a:prstGeom prst="straightConnector1">
+            <a:avLst/>
+          </a:prstGeom>
+          <a:ln w="31750" cap="rnd">
+            <a:solidFill>
+              <a:schemeClr val="accent6"/>
+            </a:solidFill>
+            <a:headEnd type="none" w="med" len="lg"/>
+            <a:tailEnd type="none" w="med" len="lg"/>
+          </a:ln>
+        </p:spPr>
+        <p:style>
+          <a:lnRef idx="1">
+            <a:schemeClr val="accent1"/>
+          </a:lnRef>
+          <a:fillRef idx="0">
+            <a:schemeClr val="accent1"/>
+          </a:fillRef>
+          <a:effectRef idx="0">
+            <a:schemeClr val="accent1"/>
+          </a:effectRef>
+          <a:fontRef idx="minor">
+            <a:schemeClr val="tx1"/>
+          </a:fontRef>
+        </p:style>
+      </p:cxnSp>
+    </p:spTree>
+    <p:extLst>
+      <p:ext uri="{BB962C8B-B14F-4D97-AF65-F5344CB8AC3E}">
+        <p14:creationId xmlns:p14="http://schemas.microsoft.com/office/powerpoint/2010/main" val="686763538"/>
       </p:ext>
     </p:extLst>
   </p:cSld>

--- a/doc/Figures/TEMP/Scope.pptx
+++ b/doc/Figures/TEMP/Scope.pptx
@@ -262,7 +262,7 @@
           <a:p>
             <a:fld id="{927B97AF-542C-4193-A540-7987331399C2}" type="datetimeFigureOut">
               <a:rPr lang="en-US" smtClean="0"/>
-              <a:t>7/3/2022</a:t>
+              <a:t>7/10/2022</a:t>
             </a:fld>
             <a:endParaRPr lang="en-US"/>
           </a:p>
@@ -462,7 +462,7 @@
           <a:p>
             <a:fld id="{927B97AF-542C-4193-A540-7987331399C2}" type="datetimeFigureOut">
               <a:rPr lang="en-US" smtClean="0"/>
-              <a:t>7/3/2022</a:t>
+              <a:t>7/10/2022</a:t>
             </a:fld>
             <a:endParaRPr lang="en-US"/>
           </a:p>
@@ -672,7 +672,7 @@
           <a:p>
             <a:fld id="{927B97AF-542C-4193-A540-7987331399C2}" type="datetimeFigureOut">
               <a:rPr lang="en-US" smtClean="0"/>
-              <a:t>7/3/2022</a:t>
+              <a:t>7/10/2022</a:t>
             </a:fld>
             <a:endParaRPr lang="en-US"/>
           </a:p>
@@ -872,7 +872,7 @@
           <a:p>
             <a:fld id="{927B97AF-542C-4193-A540-7987331399C2}" type="datetimeFigureOut">
               <a:rPr lang="en-US" smtClean="0"/>
-              <a:t>7/3/2022</a:t>
+              <a:t>7/10/2022</a:t>
             </a:fld>
             <a:endParaRPr lang="en-US"/>
           </a:p>
@@ -1148,7 +1148,7 @@
           <a:p>
             <a:fld id="{927B97AF-542C-4193-A540-7987331399C2}" type="datetimeFigureOut">
               <a:rPr lang="en-US" smtClean="0"/>
-              <a:t>7/3/2022</a:t>
+              <a:t>7/10/2022</a:t>
             </a:fld>
             <a:endParaRPr lang="en-US"/>
           </a:p>
@@ -1416,7 +1416,7 @@
           <a:p>
             <a:fld id="{927B97AF-542C-4193-A540-7987331399C2}" type="datetimeFigureOut">
               <a:rPr lang="en-US" smtClean="0"/>
-              <a:t>7/3/2022</a:t>
+              <a:t>7/10/2022</a:t>
             </a:fld>
             <a:endParaRPr lang="en-US"/>
           </a:p>
@@ -1831,7 +1831,7 @@
           <a:p>
             <a:fld id="{927B97AF-542C-4193-A540-7987331399C2}" type="datetimeFigureOut">
               <a:rPr lang="en-US" smtClean="0"/>
-              <a:t>7/3/2022</a:t>
+              <a:t>7/10/2022</a:t>
             </a:fld>
             <a:endParaRPr lang="en-US"/>
           </a:p>
@@ -1973,7 +1973,7 @@
           <a:p>
             <a:fld id="{927B97AF-542C-4193-A540-7987331399C2}" type="datetimeFigureOut">
               <a:rPr lang="en-US" smtClean="0"/>
-              <a:t>7/3/2022</a:t>
+              <a:t>7/10/2022</a:t>
             </a:fld>
             <a:endParaRPr lang="en-US"/>
           </a:p>
@@ -2086,7 +2086,7 @@
           <a:p>
             <a:fld id="{927B97AF-542C-4193-A540-7987331399C2}" type="datetimeFigureOut">
               <a:rPr lang="en-US" smtClean="0"/>
-              <a:t>7/3/2022</a:t>
+              <a:t>7/10/2022</a:t>
             </a:fld>
             <a:endParaRPr lang="en-US"/>
           </a:p>
@@ -2399,7 +2399,7 @@
           <a:p>
             <a:fld id="{927B97AF-542C-4193-A540-7987331399C2}" type="datetimeFigureOut">
               <a:rPr lang="en-US" smtClean="0"/>
-              <a:t>7/3/2022</a:t>
+              <a:t>7/10/2022</a:t>
             </a:fld>
             <a:endParaRPr lang="en-US"/>
           </a:p>
@@ -2688,7 +2688,7 @@
           <a:p>
             <a:fld id="{927B97AF-542C-4193-A540-7987331399C2}" type="datetimeFigureOut">
               <a:rPr lang="en-US" smtClean="0"/>
-              <a:t>7/3/2022</a:t>
+              <a:t>7/10/2022</a:t>
             </a:fld>
             <a:endParaRPr lang="en-US"/>
           </a:p>
@@ -2931,7 +2931,7 @@
           <a:p>
             <a:fld id="{927B97AF-542C-4193-A540-7987331399C2}" type="datetimeFigureOut">
               <a:rPr lang="en-US" smtClean="0"/>
-              <a:t>7/3/2022</a:t>
+              <a:t>7/10/2022</a:t>
             </a:fld>
             <a:endParaRPr lang="en-US"/>
           </a:p>
@@ -4270,8 +4270,8 @@
         </p:nvSpPr>
         <p:spPr>
           <a:xfrm>
-            <a:off x="3964200" y="987351"/>
-            <a:ext cx="437940" cy="369332"/>
+            <a:off x="3439990" y="1346406"/>
+            <a:ext cx="1071127" cy="369332"/>
           </a:xfrm>
           <a:prstGeom prst="rect">
             <a:avLst/>
@@ -4291,7 +4291,7 @@
                 </a:solidFill>
                 <a:latin typeface="Consolas" panose="020B0609020204030204" pitchFamily="49" charset="0"/>
               </a:rPr>
-              <a:t>pi</a:t>
+              <a:t>pi,sub2</a:t>
             </a:r>
           </a:p>
         </p:txBody>
@@ -4951,7 +4951,7 @@
           </a:xfrm>
           <a:prstGeom prst="bentConnector3">
             <a:avLst>
-              <a:gd name="adj1" fmla="val 6825000"/>
+              <a:gd name="adj1" fmla="val 6644984"/>
             </a:avLst>
           </a:prstGeom>
           <a:ln w="31750" cap="rnd">
@@ -5046,12 +5046,12 @@
         </p:nvCxnSpPr>
         <p:spPr>
           <a:xfrm rot="10800000">
-            <a:off x="3347729" y="-219734"/>
-            <a:ext cx="3891275" cy="543119"/>
+            <a:off x="3975553" y="-232646"/>
+            <a:ext cx="3263456" cy="556037"/>
           </a:xfrm>
           <a:prstGeom prst="bentConnector3">
             <a:avLst>
-              <a:gd name="adj1" fmla="val 310"/>
+              <a:gd name="adj1" fmla="val -7"/>
             </a:avLst>
           </a:prstGeom>
           <a:ln w="31750">
@@ -5092,8 +5092,115 @@
         </p:nvCxnSpPr>
         <p:spPr>
           <a:xfrm flipV="1">
-            <a:off x="3353965" y="-219735"/>
-            <a:ext cx="0" cy="962685"/>
+            <a:off x="3975553" y="-230610"/>
+            <a:ext cx="0" cy="1577016"/>
+          </a:xfrm>
+          <a:prstGeom prst="straightConnector1">
+            <a:avLst/>
+          </a:prstGeom>
+          <a:ln w="31750" cap="rnd">
+            <a:solidFill>
+              <a:schemeClr val="accent6"/>
+            </a:solidFill>
+            <a:headEnd type="none" w="med" len="lg"/>
+            <a:tailEnd type="none" w="med" len="lg"/>
+          </a:ln>
+        </p:spPr>
+        <p:style>
+          <a:lnRef idx="1">
+            <a:schemeClr val="accent1"/>
+          </a:lnRef>
+          <a:fillRef idx="0">
+            <a:schemeClr val="accent1"/>
+          </a:fillRef>
+          <a:effectRef idx="0">
+            <a:schemeClr val="accent1"/>
+          </a:effectRef>
+          <a:fontRef idx="minor">
+            <a:schemeClr val="tx1"/>
+          </a:fontRef>
+        </p:style>
+      </p:cxnSp>
+      <p:sp>
+        <p:nvSpPr>
+          <p:cNvPr id="35" name="CuadroTexto 34">
+            <a:extLst>
+              <a:ext uri="{FF2B5EF4-FFF2-40B4-BE49-F238E27FC236}">
+                <a16:creationId xmlns:a16="http://schemas.microsoft.com/office/drawing/2014/main" id="{2BFCF7B6-E522-B175-19BD-3699CF0ACFC4}"/>
+              </a:ext>
+            </a:extLst>
+          </p:cNvPr>
+          <p:cNvSpPr txBox="1"/>
+          <p:nvPr/>
+        </p:nvSpPr>
+        <p:spPr>
+          <a:xfrm>
+            <a:off x="4239351" y="-222199"/>
+            <a:ext cx="2097049" cy="369332"/>
+          </a:xfrm>
+          <a:prstGeom prst="rect">
+            <a:avLst/>
+          </a:prstGeom>
+          <a:noFill/>
+        </p:spPr>
+        <p:txBody>
+          <a:bodyPr wrap="none" rtlCol="0">
+            <a:spAutoFit/>
+          </a:bodyPr>
+          <a:lstStyle/>
+          <a:p>
+            <a:r>
+              <a:rPr lang="en-US" b="1" dirty="0">
+                <a:solidFill>
+                  <a:schemeClr val="accent6"/>
+                </a:solidFill>
+              </a:rPr>
+              <a:t>global:</a:t>
+            </a:r>
+            <a:r>
+              <a:rPr lang="en-US" dirty="0">
+                <a:solidFill>
+                  <a:schemeClr val="accent6"/>
+                </a:solidFill>
+                <a:latin typeface="Consolas" panose="020B0609020204030204" pitchFamily="49" charset="0"/>
+              </a:rPr>
+              <a:t> sub2    </a:t>
+            </a:r>
+            <a:r>
+              <a:rPr lang="en-US" dirty="0">
+                <a:solidFill>
+                  <a:srgbClr val="FF0000"/>
+                </a:solidFill>
+                <a:latin typeface="Consolas" panose="020B0609020204030204" pitchFamily="49" charset="0"/>
+              </a:rPr>
+              <a:t>y</a:t>
+            </a:r>
+            <a:endParaRPr lang="en-US" dirty="0">
+              <a:solidFill>
+                <a:schemeClr val="accent6"/>
+              </a:solidFill>
+            </a:endParaRPr>
+          </a:p>
+        </p:txBody>
+      </p:sp>
+      <p:cxnSp>
+        <p:nvCxnSpPr>
+          <p:cNvPr id="48" name="Conector recto de flecha 15">
+            <a:extLst>
+              <a:ext uri="{FF2B5EF4-FFF2-40B4-BE49-F238E27FC236}">
+                <a16:creationId xmlns:a16="http://schemas.microsoft.com/office/drawing/2014/main" id="{39AC199D-07A2-82DE-59E8-3DF9671C60E7}"/>
+              </a:ext>
+            </a:extLst>
+          </p:cNvPr>
+          <p:cNvCxnSpPr>
+            <a:cxnSpLocks/>
+          </p:cNvCxnSpPr>
+          <p:nvPr/>
+        </p:nvCxnSpPr>
+        <p:spPr>
+          <a:xfrm flipV="1">
+            <a:off x="9238193" y="2821700"/>
+            <a:ext cx="0" cy="2989098"/>
           </a:xfrm>
           <a:prstGeom prst="straightConnector1">
             <a:avLst/>
@@ -5121,51 +5228,12 @@
           </a:fontRef>
         </p:style>
       </p:cxnSp>
-      <p:sp>
-        <p:nvSpPr>
-          <p:cNvPr id="35" name="CuadroTexto 34">
-            <a:extLst>
-              <a:ext uri="{FF2B5EF4-FFF2-40B4-BE49-F238E27FC236}">
-                <a16:creationId xmlns:a16="http://schemas.microsoft.com/office/drawing/2014/main" id="{2BFCF7B6-E522-B175-19BD-3699CF0ACFC4}"/>
-              </a:ext>
-            </a:extLst>
-          </p:cNvPr>
-          <p:cNvSpPr txBox="1"/>
-          <p:nvPr/>
-        </p:nvSpPr>
-        <p:spPr>
-          <a:xfrm>
-            <a:off x="4840018" y="-211802"/>
-            <a:ext cx="753732" cy="369332"/>
-          </a:xfrm>
-          <a:prstGeom prst="rect">
-            <a:avLst/>
-          </a:prstGeom>
-          <a:noFill/>
-        </p:spPr>
-        <p:txBody>
-          <a:bodyPr wrap="none" rtlCol="0">
-            <a:spAutoFit/>
-          </a:bodyPr>
-          <a:lstStyle/>
-          <a:p>
-            <a:r>
-              <a:rPr lang="en-US" dirty="0">
-                <a:solidFill>
-                  <a:schemeClr val="accent6"/>
-                </a:solidFill>
-              </a:rPr>
-              <a:t>global</a:t>
-            </a:r>
-          </a:p>
-        </p:txBody>
-      </p:sp>
       <p:cxnSp>
         <p:nvCxnSpPr>
-          <p:cNvPr id="48" name="Conector recto de flecha 15">
-            <a:extLst>
-              <a:ext uri="{FF2B5EF4-FFF2-40B4-BE49-F238E27FC236}">
-                <a16:creationId xmlns:a16="http://schemas.microsoft.com/office/drawing/2014/main" id="{39AC199D-07A2-82DE-59E8-3DF9671C60E7}"/>
+          <p:cNvPr id="49" name="Conector recto de flecha 15">
+            <a:extLst>
+              <a:ext uri="{FF2B5EF4-FFF2-40B4-BE49-F238E27FC236}">
+                <a16:creationId xmlns:a16="http://schemas.microsoft.com/office/drawing/2014/main" id="{DCB47CBF-80ED-A273-5C21-988C8A0E9421}"/>
               </a:ext>
             </a:extLst>
           </p:cNvPr>
@@ -5175,8 +5243,53 @@
           <p:nvPr/>
         </p:nvCxnSpPr>
         <p:spPr>
+          <a:xfrm flipH="1">
+            <a:off x="7461366" y="2821700"/>
+            <a:ext cx="1776827" cy="0"/>
+          </a:xfrm>
+          <a:prstGeom prst="straightConnector1">
+            <a:avLst/>
+          </a:prstGeom>
+          <a:ln w="31750" cap="rnd">
+            <a:solidFill>
+              <a:schemeClr val="accent6"/>
+            </a:solidFill>
+            <a:headEnd type="none" w="med" len="lg"/>
+            <a:tailEnd type="none" w="med" len="lg"/>
+          </a:ln>
+        </p:spPr>
+        <p:style>
+          <a:lnRef idx="1">
+            <a:schemeClr val="accent1"/>
+          </a:lnRef>
+          <a:fillRef idx="0">
+            <a:schemeClr val="accent1"/>
+          </a:fillRef>
+          <a:effectRef idx="0">
+            <a:schemeClr val="accent1"/>
+          </a:effectRef>
+          <a:fontRef idx="minor">
+            <a:schemeClr val="tx1"/>
+          </a:fontRef>
+        </p:style>
+      </p:cxnSp>
+      <p:cxnSp>
+        <p:nvCxnSpPr>
+          <p:cNvPr id="58" name="Conector recto de flecha 15">
+            <a:extLst>
+              <a:ext uri="{FF2B5EF4-FFF2-40B4-BE49-F238E27FC236}">
+                <a16:creationId xmlns:a16="http://schemas.microsoft.com/office/drawing/2014/main" id="{206814E3-9FF4-E74D-2ED7-D861A36CFB76}"/>
+              </a:ext>
+            </a:extLst>
+          </p:cNvPr>
+          <p:cNvCxnSpPr>
+            <a:cxnSpLocks/>
+          </p:cNvCxnSpPr>
+          <p:nvPr/>
+        </p:nvCxnSpPr>
+        <p:spPr>
           <a:xfrm flipV="1">
-            <a:off x="9238193" y="2821700"/>
+            <a:off x="9514418" y="1053461"/>
             <a:ext cx="0" cy="2989098"/>
           </a:xfrm>
           <a:prstGeom prst="straightConnector1">
@@ -5207,10 +5320,10 @@
       </p:cxnSp>
       <p:cxnSp>
         <p:nvCxnSpPr>
-          <p:cNvPr id="49" name="Conector recto de flecha 15">
-            <a:extLst>
-              <a:ext uri="{FF2B5EF4-FFF2-40B4-BE49-F238E27FC236}">
-                <a16:creationId xmlns:a16="http://schemas.microsoft.com/office/drawing/2014/main" id="{DCB47CBF-80ED-A273-5C21-988C8A0E9421}"/>
+          <p:cNvPr id="59" name="Conector recto de flecha 15">
+            <a:extLst>
+              <a:ext uri="{FF2B5EF4-FFF2-40B4-BE49-F238E27FC236}">
+                <a16:creationId xmlns:a16="http://schemas.microsoft.com/office/drawing/2014/main" id="{20B471CC-4AEB-4A0B-E6A8-AEAACE482589}"/>
               </a:ext>
             </a:extLst>
           </p:cNvPr>
@@ -5221,8 +5334,8 @@
         </p:nvCxnSpPr>
         <p:spPr>
           <a:xfrm flipH="1">
-            <a:off x="7461366" y="2821700"/>
-            <a:ext cx="1776827" cy="0"/>
+            <a:off x="7089891" y="1053461"/>
+            <a:ext cx="2424527" cy="0"/>
           </a:xfrm>
           <a:prstGeom prst="straightConnector1">
             <a:avLst/>
@@ -5250,96 +5363,60 @@
           </a:fontRef>
         </p:style>
       </p:cxnSp>
-      <p:cxnSp>
-        <p:nvCxnSpPr>
-          <p:cNvPr id="58" name="Conector recto de flecha 15">
-            <a:extLst>
-              <a:ext uri="{FF2B5EF4-FFF2-40B4-BE49-F238E27FC236}">
-                <a16:creationId xmlns:a16="http://schemas.microsoft.com/office/drawing/2014/main" id="{206814E3-9FF4-E74D-2ED7-D861A36CFB76}"/>
-              </a:ext>
-            </a:extLst>
-          </p:cNvPr>
-          <p:cNvCxnSpPr>
-            <a:cxnSpLocks/>
-          </p:cNvCxnSpPr>
+      <p:sp>
+        <p:nvSpPr>
+          <p:cNvPr id="50" name="Signo de multiplicación 49">
+            <a:extLst>
+              <a:ext uri="{FF2B5EF4-FFF2-40B4-BE49-F238E27FC236}">
+                <a16:creationId xmlns:a16="http://schemas.microsoft.com/office/drawing/2014/main" id="{EC216B47-E65B-7D04-CFE6-D0690E929354}"/>
+              </a:ext>
+            </a:extLst>
+          </p:cNvPr>
+          <p:cNvSpPr/>
           <p:nvPr/>
-        </p:nvCxnSpPr>
-        <p:spPr>
-          <a:xfrm flipV="1">
-            <a:off x="9514418" y="1053461"/>
-            <a:ext cx="0" cy="2989098"/>
-          </a:xfrm>
-          <a:prstGeom prst="straightConnector1">
-            <a:avLst/>
+        </p:nvSpPr>
+        <p:spPr>
+          <a:xfrm>
+            <a:off x="5789498" y="-232152"/>
+            <a:ext cx="434858" cy="439002"/>
+          </a:xfrm>
+          <a:prstGeom prst="mathMultiply">
+            <a:avLst>
+              <a:gd name="adj1" fmla="val 11275"/>
+            </a:avLst>
           </a:prstGeom>
-          <a:ln w="31750" cap="rnd">
-            <a:solidFill>
-              <a:schemeClr val="accent6"/>
-            </a:solidFill>
-            <a:headEnd type="arrow" w="med" len="lg"/>
-            <a:tailEnd type="none" w="med" len="lg"/>
+          <a:solidFill>
+            <a:srgbClr val="FF0000"/>
+          </a:solidFill>
+          <a:ln>
+            <a:noFill/>
           </a:ln>
         </p:spPr>
         <p:style>
-          <a:lnRef idx="1">
-            <a:schemeClr val="accent1"/>
+          <a:lnRef idx="2">
+            <a:schemeClr val="accent1">
+              <a:shade val="50000"/>
+            </a:schemeClr>
           </a:lnRef>
-          <a:fillRef idx="0">
+          <a:fillRef idx="1">
             <a:schemeClr val="accent1"/>
           </a:fillRef>
           <a:effectRef idx="0">
             <a:schemeClr val="accent1"/>
           </a:effectRef>
           <a:fontRef idx="minor">
-            <a:schemeClr val="tx1"/>
+            <a:schemeClr val="lt1"/>
           </a:fontRef>
         </p:style>
-      </p:cxnSp>
-      <p:cxnSp>
-        <p:nvCxnSpPr>
-          <p:cNvPr id="59" name="Conector recto de flecha 15">
-            <a:extLst>
-              <a:ext uri="{FF2B5EF4-FFF2-40B4-BE49-F238E27FC236}">
-                <a16:creationId xmlns:a16="http://schemas.microsoft.com/office/drawing/2014/main" id="{20B471CC-4AEB-4A0B-E6A8-AEAACE482589}"/>
-              </a:ext>
-            </a:extLst>
-          </p:cNvPr>
-          <p:cNvCxnSpPr>
-            <a:cxnSpLocks/>
-          </p:cNvCxnSpPr>
-          <p:nvPr/>
-        </p:nvCxnSpPr>
-        <p:spPr>
-          <a:xfrm flipH="1">
-            <a:off x="7089891" y="1053461"/>
-            <a:ext cx="2424527" cy="0"/>
-          </a:xfrm>
-          <a:prstGeom prst="straightConnector1">
-            <a:avLst/>
-          </a:prstGeom>
-          <a:ln w="31750" cap="rnd">
-            <a:solidFill>
-              <a:schemeClr val="accent6"/>
-            </a:solidFill>
-            <a:headEnd type="none" w="med" len="lg"/>
-            <a:tailEnd type="none" w="med" len="lg"/>
-          </a:ln>
-        </p:spPr>
-        <p:style>
-          <a:lnRef idx="1">
-            <a:schemeClr val="accent1"/>
-          </a:lnRef>
-          <a:fillRef idx="0">
-            <a:schemeClr val="accent1"/>
-          </a:fillRef>
-          <a:effectRef idx="0">
-            <a:schemeClr val="accent1"/>
-          </a:effectRef>
-          <a:fontRef idx="minor">
-            <a:schemeClr val="tx1"/>
-          </a:fontRef>
-        </p:style>
-      </p:cxnSp>
+        <p:txBody>
+          <a:bodyPr rtlCol="0" anchor="ctr"/>
+          <a:lstStyle/>
+          <a:p>
+            <a:pPr algn="ctr"/>
+            <a:endParaRPr lang="en-US"/>
+          </a:p>
+        </p:txBody>
+      </p:sp>
     </p:spTree>
     <p:extLst>
       <p:ext uri="{BB962C8B-B14F-4D97-AF65-F5344CB8AC3E}">
@@ -5385,7 +5462,7 @@
         <p:spPr>
           <a:xfrm>
             <a:off x="991941" y="335845"/>
-            <a:ext cx="3709171" cy="2585323"/>
+            <a:ext cx="3624643" cy="3416320"/>
           </a:xfrm>
           <a:prstGeom prst="rect">
             <a:avLst/>
@@ -5419,13 +5496,7 @@
               <a:rPr lang="en-US" sz="1800" b="0" i="0" u="none" strike="noStrike" baseline="0" dirty="0">
                 <a:latin typeface="Consolas" panose="020B0609020204030204" pitchFamily="49" charset="0"/>
               </a:rPr>
-              <a:t> import </a:t>
-            </a:r>
-            <a:r>
-              <a:rPr lang="en-US" sz="1800" b="0" i="0" u="none" strike="noStrike" baseline="0" dirty="0" err="1">
-                <a:latin typeface="Consolas" panose="020B0609020204030204" pitchFamily="49" charset="0"/>
-              </a:rPr>
-              <a:t>functionA</a:t>
+              <a:t> import f2</a:t>
             </a:r>
             <a:endParaRPr lang="en-US" dirty="0">
               <a:latin typeface="Consolas" panose="020B0609020204030204" pitchFamily="49" charset="0"/>
@@ -5455,90 +5526,116 @@
               <a:rPr lang="en-US" sz="1800" b="0" i="0" u="none" strike="noStrike" baseline="0" dirty="0">
                 <a:latin typeface="Consolas" panose="020B0609020204030204" pitchFamily="49" charset="0"/>
               </a:rPr>
-              <a:t>def </a:t>
-            </a:r>
-            <a:r>
-              <a:rPr lang="en-US" sz="1800" b="0" i="0" u="none" strike="noStrike" baseline="0" dirty="0" err="1">
-                <a:latin typeface="Consolas" panose="020B0609020204030204" pitchFamily="49" charset="0"/>
-              </a:rPr>
-              <a:t>functionB</a:t>
-            </a:r>
+              <a:t>def f1a( a ):</a:t>
+            </a:r>
+          </a:p>
+          <a:p>
+            <a:pPr algn="l"/>
             <a:r>
               <a:rPr lang="en-US" sz="1800" b="0" i="0" u="none" strike="noStrike" baseline="0" dirty="0">
                 <a:latin typeface="Consolas" panose="020B0609020204030204" pitchFamily="49" charset="0"/>
               </a:rPr>
-              <a:t>():</a:t>
+              <a:t>    </a:t>
+            </a:r>
+            <a:r>
+              <a:rPr lang="en-US" dirty="0">
+                <a:latin typeface="Consolas" panose="020B0609020204030204" pitchFamily="49" charset="0"/>
+              </a:rPr>
+              <a:t>s</a:t>
+            </a:r>
+            <a:r>
+              <a:rPr lang="en-US" sz="1800" b="0" i="0" u="none" strike="noStrike" baseline="0" dirty="0">
+                <a:latin typeface="Consolas" panose="020B0609020204030204" pitchFamily="49" charset="0"/>
+              </a:rPr>
+              <a:t> = 1</a:t>
             </a:r>
           </a:p>
           <a:p>
             <a:pPr algn="l"/>
             <a:r>
+              <a:rPr lang="en-US" b="1" dirty="0">
+                <a:latin typeface="Consolas" panose="020B0609020204030204" pitchFamily="49" charset="0"/>
+              </a:rPr>
+              <a:t>    </a:t>
+            </a:r>
+            <a:r>
+              <a:rPr lang="en-US" sz="1800" i="0" u="none" strike="noStrike" baseline="0" dirty="0">
+                <a:latin typeface="Consolas" panose="020B0609020204030204" pitchFamily="49" charset="0"/>
+              </a:rPr>
+              <a:t>return r</a:t>
+            </a:r>
+            <a:r>
+              <a:rPr lang="en-US" dirty="0">
+                <a:latin typeface="Consolas" panose="020B0609020204030204" pitchFamily="49" charset="0"/>
+              </a:rPr>
+              <a:t>*s*</a:t>
+            </a:r>
+            <a:r>
               <a:rPr lang="en-US" sz="1800" b="0" i="0" u="none" strike="noStrike" baseline="0" dirty="0">
                 <a:latin typeface="Consolas" panose="020B0609020204030204" pitchFamily="49" charset="0"/>
               </a:rPr>
-              <a:t>    </a:t>
-            </a:r>
-            <a:r>
-              <a:rPr lang="en-US" dirty="0">
-                <a:latin typeface="Consolas" panose="020B0609020204030204" pitchFamily="49" charset="0"/>
-              </a:rPr>
-              <a:t>s</a:t>
-            </a:r>
-            <a:r>
-              <a:rPr lang="en-US" sz="1800" b="0" i="0" u="none" strike="noStrike" baseline="0" dirty="0">
-                <a:latin typeface="Consolas" panose="020B0609020204030204" pitchFamily="49" charset="0"/>
-              </a:rPr>
-              <a:t> = 1</a:t>
+              <a:t>f1b(a)</a:t>
             </a:r>
           </a:p>
           <a:p>
             <a:pPr algn="l"/>
-            <a:r>
-              <a:rPr lang="en-US" b="1" dirty="0">
-                <a:latin typeface="Consolas" panose="020B0609020204030204" pitchFamily="49" charset="0"/>
-              </a:rPr>
-              <a:t>    </a:t>
-            </a:r>
-            <a:r>
-              <a:rPr lang="en-US" sz="1800" i="0" u="none" strike="noStrike" baseline="0" dirty="0">
-                <a:latin typeface="Consolas" panose="020B0609020204030204" pitchFamily="49" charset="0"/>
-              </a:rPr>
-              <a:t>return r</a:t>
-            </a:r>
-            <a:r>
-              <a:rPr lang="en-US" dirty="0">
-                <a:latin typeface="Consolas" panose="020B0609020204030204" pitchFamily="49" charset="0"/>
-              </a:rPr>
-              <a:t>*s</a:t>
-            </a:r>
-            <a:r>
-              <a:rPr lang="en-US" sz="1800" b="0" i="0" u="none" strike="noStrike" baseline="0" dirty="0">
-                <a:latin typeface="Consolas" panose="020B0609020204030204" pitchFamily="49" charset="0"/>
-              </a:rPr>
-              <a:t> + </a:t>
-            </a:r>
-            <a:r>
-              <a:rPr lang="en-US" sz="1800" b="0" i="0" u="none" strike="noStrike" baseline="0" dirty="0" err="1">
-                <a:latin typeface="Consolas" panose="020B0609020204030204" pitchFamily="49" charset="0"/>
-              </a:rPr>
-              <a:t>functionA</a:t>
-            </a:r>
-            <a:r>
-              <a:rPr lang="en-US" sz="1800" b="0" i="0" u="none" strike="noStrike" baseline="0" dirty="0">
-                <a:latin typeface="Consolas" panose="020B0609020204030204" pitchFamily="49" charset="0"/>
-              </a:rPr>
-              <a:t>()</a:t>
-            </a:r>
             <a:endParaRPr lang="en-US" dirty="0">
               <a:latin typeface="Consolas" panose="020B0609020204030204" pitchFamily="49" charset="0"/>
             </a:endParaRPr>
           </a:p>
           <a:p>
-            <a:endParaRPr lang="en-US" dirty="0">
-              <a:latin typeface="Consolas" panose="020B0609020204030204" pitchFamily="49" charset="0"/>
-            </a:endParaRPr>
-          </a:p>
-          <a:p>
+            <a:pPr algn="l"/>
+            <a:r>
+              <a:rPr lang="en-US" sz="1800" b="0" i="0" u="none" strike="noStrike" baseline="0" dirty="0">
+                <a:latin typeface="Consolas" panose="020B0609020204030204" pitchFamily="49" charset="0"/>
+              </a:rPr>
+              <a:t>def f1b( x ):</a:t>
+            </a:r>
+          </a:p>
+          <a:p>
+            <a:pPr algn="l"/>
+            <a:r>
+              <a:rPr lang="en-US" sz="1800" b="0" i="0" u="none" strike="noStrike" baseline="0" dirty="0">
+                <a:latin typeface="Consolas" panose="020B0609020204030204" pitchFamily="49" charset="0"/>
+              </a:rPr>
+              <a:t>    </a:t>
+            </a:r>
+            <a:r>
+              <a:rPr lang="en-US" dirty="0">
+                <a:latin typeface="Consolas" panose="020B0609020204030204" pitchFamily="49" charset="0"/>
+              </a:rPr>
+              <a:t>s</a:t>
+            </a:r>
+            <a:r>
+              <a:rPr lang="en-US" sz="1800" b="0" i="0" u="none" strike="noStrike" baseline="0" dirty="0">
+                <a:latin typeface="Consolas" panose="020B0609020204030204" pitchFamily="49" charset="0"/>
+              </a:rPr>
+              <a:t> = 2</a:t>
+            </a:r>
+          </a:p>
+          <a:p>
+            <a:pPr algn="l"/>
+            <a:r>
+              <a:rPr lang="en-US" b="1" dirty="0">
+                <a:latin typeface="Consolas" panose="020B0609020204030204" pitchFamily="49" charset="0"/>
+              </a:rPr>
+              <a:t>    </a:t>
+            </a:r>
+            <a:r>
+              <a:rPr lang="en-US" sz="1800" i="0" u="none" strike="noStrike" baseline="0" dirty="0">
+                <a:latin typeface="Consolas" panose="020B0609020204030204" pitchFamily="49" charset="0"/>
+              </a:rPr>
+              <a:t>return r</a:t>
+            </a:r>
+            <a:r>
+              <a:rPr lang="en-US" dirty="0">
+                <a:latin typeface="Consolas" panose="020B0609020204030204" pitchFamily="49" charset="0"/>
+              </a:rPr>
+              <a:t>*s*x</a:t>
+            </a:r>
+          </a:p>
+          <a:p>
+            <a:pPr algn="l"/>
             <a:endParaRPr lang="en-US" dirty="0">
               <a:latin typeface="Consolas" panose="020B0609020204030204" pitchFamily="49" charset="0"/>
             </a:endParaRPr>
@@ -5610,68 +5707,59 @@
               <a:rPr lang="en-US" sz="1800" b="0" i="0" u="none" strike="noStrike" baseline="0" dirty="0">
                 <a:latin typeface="Consolas" panose="020B0609020204030204" pitchFamily="49" charset="0"/>
               </a:rPr>
-              <a:t>def </a:t>
-            </a:r>
-            <a:r>
-              <a:rPr lang="en-US" sz="1800" b="0" i="0" u="none" strike="noStrike" baseline="0" dirty="0" err="1">
-                <a:latin typeface="Consolas" panose="020B0609020204030204" pitchFamily="49" charset="0"/>
-              </a:rPr>
-              <a:t>functionA</a:t>
-            </a:r>
+              <a:t>def f2( x ):</a:t>
+            </a:r>
+          </a:p>
+          <a:p>
+            <a:pPr algn="l"/>
             <a:r>
               <a:rPr lang="en-US" sz="1800" b="0" i="0" u="none" strike="noStrike" baseline="0" dirty="0">
                 <a:latin typeface="Consolas" panose="020B0609020204030204" pitchFamily="49" charset="0"/>
               </a:rPr>
-              <a:t>():</a:t>
+              <a:t>    s = 5</a:t>
             </a:r>
           </a:p>
           <a:p>
             <a:pPr algn="l"/>
             <a:r>
-              <a:rPr lang="en-US" sz="1800" b="0" i="0" u="none" strike="noStrike" baseline="0" dirty="0">
-                <a:latin typeface="Consolas" panose="020B0609020204030204" pitchFamily="49" charset="0"/>
-              </a:rPr>
-              <a:t>    s = 3</a:t>
+              <a:rPr lang="en-US" sz="1800" b="1" i="0" u="none" strike="noStrike" baseline="0" dirty="0">
+                <a:latin typeface="Consolas" panose="020B0609020204030204" pitchFamily="49" charset="0"/>
+              </a:rPr>
+              <a:t>    </a:t>
+            </a:r>
+            <a:r>
+              <a:rPr lang="en-US" sz="1800" i="0" u="none" strike="noStrike" baseline="0" dirty="0">
+                <a:latin typeface="Consolas" panose="020B0609020204030204" pitchFamily="49" charset="0"/>
+              </a:rPr>
+              <a:t>return</a:t>
+            </a:r>
+            <a:r>
+              <a:rPr lang="en-US" sz="1800" b="1" i="0" u="none" strike="noStrike" baseline="0" dirty="0">
+                <a:latin typeface="Consolas" panose="020B0609020204030204" pitchFamily="49" charset="0"/>
+              </a:rPr>
+              <a:t> </a:t>
+            </a:r>
+            <a:r>
+              <a:rPr lang="en-US" dirty="0">
+                <a:latin typeface="Consolas" panose="020B0609020204030204" pitchFamily="49" charset="0"/>
+              </a:rPr>
+              <a:t>x</a:t>
+            </a:r>
+            <a:r>
+              <a:rPr lang="en-US" sz="1800" i="0" u="none" strike="noStrike" baseline="0" dirty="0">
+                <a:latin typeface="Consolas" panose="020B0609020204030204" pitchFamily="49" charset="0"/>
+              </a:rPr>
+              <a:t>*y*innerf2(s*x)</a:t>
             </a:r>
           </a:p>
           <a:p>
             <a:pPr algn="l"/>
             <a:r>
-              <a:rPr lang="en-US" sz="1800" b="1" i="0" u="none" strike="noStrike" baseline="0" dirty="0">
+              <a:rPr lang="en-US" dirty="0">
                 <a:latin typeface="Consolas" panose="020B0609020204030204" pitchFamily="49" charset="0"/>
               </a:rPr>
               <a:t>    </a:t>
             </a:r>
-            <a:r>
-              <a:rPr lang="en-US" sz="1800" i="0" u="none" strike="noStrike" baseline="0" dirty="0">
-                <a:latin typeface="Consolas" panose="020B0609020204030204" pitchFamily="49" charset="0"/>
-              </a:rPr>
-              <a:t>return</a:t>
-            </a:r>
-            <a:r>
-              <a:rPr lang="en-US" sz="1800" b="1" i="0" u="none" strike="noStrike" baseline="0" dirty="0">
-                <a:latin typeface="Consolas" panose="020B0609020204030204" pitchFamily="49" charset="0"/>
-              </a:rPr>
-              <a:t> </a:t>
-            </a:r>
-            <a:r>
-              <a:rPr lang="en-US" sz="1800" i="0" u="none" strike="noStrike" baseline="0" dirty="0">
-                <a:latin typeface="Consolas" panose="020B0609020204030204" pitchFamily="49" charset="0"/>
-              </a:rPr>
-              <a:t>s*y*</a:t>
-            </a:r>
-            <a:r>
-              <a:rPr lang="en-US" sz="1800" i="0" u="none" strike="noStrike" baseline="0" dirty="0" err="1">
-                <a:latin typeface="Consolas" panose="020B0609020204030204" pitchFamily="49" charset="0"/>
-              </a:rPr>
-              <a:t>innerf</a:t>
-            </a:r>
-            <a:r>
-              <a:rPr lang="en-US" sz="1800" i="0" u="none" strike="noStrike" baseline="0" dirty="0">
-                <a:latin typeface="Consolas" panose="020B0609020204030204" pitchFamily="49" charset="0"/>
-              </a:rPr>
-              <a:t>()</a:t>
-            </a:r>
           </a:p>
           <a:p>
             <a:pPr algn="l"/>
@@ -5679,7 +5767,7 @@
               <a:rPr lang="en-US" dirty="0">
                 <a:latin typeface="Consolas" panose="020B0609020204030204" pitchFamily="49" charset="0"/>
               </a:rPr>
-              <a:t>    </a:t>
+              <a:t>    def innerf2( x ):</a:t>
             </a:r>
           </a:p>
           <a:p>
@@ -5688,37 +5776,16 @@
               <a:rPr lang="en-US" dirty="0">
                 <a:latin typeface="Consolas" panose="020B0609020204030204" pitchFamily="49" charset="0"/>
               </a:rPr>
-              <a:t>    def </a:t>
-            </a:r>
-            <a:r>
-              <a:rPr lang="en-US" dirty="0" err="1">
-                <a:latin typeface="Consolas" panose="020B0609020204030204" pitchFamily="49" charset="0"/>
-              </a:rPr>
-              <a:t>innerf</a:t>
-            </a:r>
+              <a:t>        t = 3</a:t>
+            </a:r>
+          </a:p>
+          <a:p>
+            <a:pPr algn="l"/>
             <a:r>
               <a:rPr lang="en-US" dirty="0">
                 <a:latin typeface="Consolas" panose="020B0609020204030204" pitchFamily="49" charset="0"/>
               </a:rPr>
-              <a:t>():</a:t>
-            </a:r>
-          </a:p>
-          <a:p>
-            <a:pPr algn="l"/>
-            <a:r>
-              <a:rPr lang="en-US" dirty="0">
-                <a:latin typeface="Consolas" panose="020B0609020204030204" pitchFamily="49" charset="0"/>
-              </a:rPr>
-              <a:t>        t = 5</a:t>
-            </a:r>
-          </a:p>
-          <a:p>
-            <a:pPr algn="l"/>
-            <a:r>
-              <a:rPr lang="en-US" dirty="0">
-                <a:latin typeface="Consolas" panose="020B0609020204030204" pitchFamily="49" charset="0"/>
-              </a:rPr>
-              <a:t>        return s*t*y</a:t>
+              <a:t>        return s*t*y*x</a:t>
             </a:r>
           </a:p>
           <a:p>
@@ -5833,8 +5900,8 @@
         </p:nvSpPr>
         <p:spPr>
           <a:xfrm>
-            <a:off x="3461942" y="701194"/>
-            <a:ext cx="437940" cy="369332"/>
+            <a:off x="3633985" y="1042490"/>
+            <a:ext cx="927537" cy="369332"/>
           </a:xfrm>
           <a:prstGeom prst="rect">
             <a:avLst/>
@@ -5854,7 +5921,7 @@
                 </a:solidFill>
                 <a:latin typeface="Consolas" panose="020B0609020204030204" pitchFamily="49" charset="0"/>
               </a:rPr>
-              <a:t>r</a:t>
+              <a:t>r, f2</a:t>
             </a:r>
           </a:p>
         </p:txBody>
@@ -6416,12 +6483,12 @@
         </p:nvCxnSpPr>
         <p:spPr>
           <a:xfrm rot="5400000" flipH="1" flipV="1">
-            <a:off x="5194884" y="-2012512"/>
-            <a:ext cx="12700" cy="4696715"/>
+            <a:off x="5173752" y="-2033644"/>
+            <a:ext cx="12700" cy="4738979"/>
           </a:xfrm>
           <a:prstGeom prst="bentConnector3">
             <a:avLst>
-              <a:gd name="adj1" fmla="val 6722449"/>
+              <a:gd name="adj1" fmla="val 6825000"/>
             </a:avLst>
           </a:prstGeom>
           <a:ln w="31750" cap="rnd">
@@ -6516,8 +6583,110 @@
         </p:nvCxnSpPr>
         <p:spPr>
           <a:xfrm flipV="1">
-            <a:off x="3353965" y="-232436"/>
-            <a:ext cx="0" cy="574632"/>
+            <a:off x="3672373" y="-223120"/>
+            <a:ext cx="0" cy="1272589"/>
+          </a:xfrm>
+          <a:prstGeom prst="straightConnector1">
+            <a:avLst/>
+          </a:prstGeom>
+          <a:ln w="31750" cap="rnd">
+            <a:solidFill>
+              <a:schemeClr val="accent6"/>
+            </a:solidFill>
+            <a:headEnd type="none" w="med" len="lg"/>
+            <a:tailEnd type="none" w="med" len="lg"/>
+          </a:ln>
+        </p:spPr>
+        <p:style>
+          <a:lnRef idx="1">
+            <a:schemeClr val="accent1"/>
+          </a:lnRef>
+          <a:fillRef idx="0">
+            <a:schemeClr val="accent1"/>
+          </a:fillRef>
+          <a:effectRef idx="0">
+            <a:schemeClr val="accent1"/>
+          </a:effectRef>
+          <a:fontRef idx="minor">
+            <a:schemeClr val="tx1"/>
+          </a:fontRef>
+        </p:style>
+      </p:cxnSp>
+      <p:sp>
+        <p:nvSpPr>
+          <p:cNvPr id="35" name="CuadroTexto 34">
+            <a:extLst>
+              <a:ext uri="{FF2B5EF4-FFF2-40B4-BE49-F238E27FC236}">
+                <a16:creationId xmlns:a16="http://schemas.microsoft.com/office/drawing/2014/main" id="{2BFCF7B6-E522-B175-19BD-3699CF0ACFC4}"/>
+              </a:ext>
+            </a:extLst>
+          </p:cNvPr>
+          <p:cNvSpPr txBox="1"/>
+          <p:nvPr/>
+        </p:nvSpPr>
+        <p:spPr>
+          <a:xfrm>
+            <a:off x="4160218" y="-208819"/>
+            <a:ext cx="1770036" cy="369332"/>
+          </a:xfrm>
+          <a:prstGeom prst="rect">
+            <a:avLst/>
+          </a:prstGeom>
+          <a:noFill/>
+        </p:spPr>
+        <p:txBody>
+          <a:bodyPr wrap="none" rtlCol="0">
+            <a:spAutoFit/>
+          </a:bodyPr>
+          <a:lstStyle/>
+          <a:p>
+            <a:r>
+              <a:rPr lang="en-US" b="1" dirty="0">
+                <a:solidFill>
+                  <a:schemeClr val="accent6"/>
+                </a:solidFill>
+              </a:rPr>
+              <a:t>global: </a:t>
+            </a:r>
+            <a:r>
+              <a:rPr lang="en-US" dirty="0">
+                <a:solidFill>
+                  <a:schemeClr val="accent6"/>
+                </a:solidFill>
+                <a:latin typeface="Consolas" panose="020B0609020204030204" pitchFamily="49" charset="0"/>
+              </a:rPr>
+              <a:t>f2,   </a:t>
+            </a:r>
+            <a:r>
+              <a:rPr lang="en-US" dirty="0">
+                <a:solidFill>
+                  <a:srgbClr val="FF0000"/>
+                </a:solidFill>
+                <a:latin typeface="Consolas" panose="020B0609020204030204" pitchFamily="49" charset="0"/>
+              </a:rPr>
+              <a:t>y</a:t>
+            </a:r>
+          </a:p>
+        </p:txBody>
+      </p:sp>
+      <p:cxnSp>
+        <p:nvCxnSpPr>
+          <p:cNvPr id="48" name="Conector recto de flecha 15">
+            <a:extLst>
+              <a:ext uri="{FF2B5EF4-FFF2-40B4-BE49-F238E27FC236}">
+                <a16:creationId xmlns:a16="http://schemas.microsoft.com/office/drawing/2014/main" id="{39AC199D-07A2-82DE-59E8-3DF9671C60E7}"/>
+              </a:ext>
+            </a:extLst>
+          </p:cNvPr>
+          <p:cNvCxnSpPr>
+            <a:cxnSpLocks/>
+          </p:cNvCxnSpPr>
+          <p:nvPr/>
+        </p:nvCxnSpPr>
+        <p:spPr>
+          <a:xfrm flipV="1">
+            <a:off x="9259343" y="1628506"/>
+            <a:ext cx="0" cy="1537434"/>
           </a:xfrm>
           <a:prstGeom prst="straightConnector1">
             <a:avLst/>
@@ -6545,51 +6714,12 @@
           </a:fontRef>
         </p:style>
       </p:cxnSp>
-      <p:sp>
-        <p:nvSpPr>
-          <p:cNvPr id="35" name="CuadroTexto 34">
-            <a:extLst>
-              <a:ext uri="{FF2B5EF4-FFF2-40B4-BE49-F238E27FC236}">
-                <a16:creationId xmlns:a16="http://schemas.microsoft.com/office/drawing/2014/main" id="{2BFCF7B6-E522-B175-19BD-3699CF0ACFC4}"/>
-              </a:ext>
-            </a:extLst>
-          </p:cNvPr>
-          <p:cNvSpPr txBox="1"/>
-          <p:nvPr/>
-        </p:nvSpPr>
-        <p:spPr>
-          <a:xfrm>
-            <a:off x="4840018" y="-211802"/>
-            <a:ext cx="753732" cy="369332"/>
-          </a:xfrm>
-          <a:prstGeom prst="rect">
-            <a:avLst/>
-          </a:prstGeom>
-          <a:noFill/>
-        </p:spPr>
-        <p:txBody>
-          <a:bodyPr wrap="none" rtlCol="0">
-            <a:spAutoFit/>
-          </a:bodyPr>
-          <a:lstStyle/>
-          <a:p>
-            <a:r>
-              <a:rPr lang="en-US" dirty="0">
-                <a:solidFill>
-                  <a:schemeClr val="accent6"/>
-                </a:solidFill>
-              </a:rPr>
-              <a:t>global</a:t>
-            </a:r>
-          </a:p>
-        </p:txBody>
-      </p:sp>
       <p:cxnSp>
         <p:nvCxnSpPr>
-          <p:cNvPr id="48" name="Conector recto de flecha 15">
-            <a:extLst>
-              <a:ext uri="{FF2B5EF4-FFF2-40B4-BE49-F238E27FC236}">
-                <a16:creationId xmlns:a16="http://schemas.microsoft.com/office/drawing/2014/main" id="{39AC199D-07A2-82DE-59E8-3DF9671C60E7}"/>
+          <p:cNvPr id="49" name="Conector recto de flecha 15">
+            <a:extLst>
+              <a:ext uri="{FF2B5EF4-FFF2-40B4-BE49-F238E27FC236}">
+                <a16:creationId xmlns:a16="http://schemas.microsoft.com/office/drawing/2014/main" id="{DCB47CBF-80ED-A273-5C21-988C8A0E9421}"/>
               </a:ext>
             </a:extLst>
           </p:cNvPr>
@@ -6599,9 +6729,54 @@
           <p:nvPr/>
         </p:nvCxnSpPr>
         <p:spPr>
+          <a:xfrm flipH="1">
+            <a:off x="6985645" y="1628506"/>
+            <a:ext cx="2273698" cy="0"/>
+          </a:xfrm>
+          <a:prstGeom prst="straightConnector1">
+            <a:avLst/>
+          </a:prstGeom>
+          <a:ln w="31750" cap="rnd">
+            <a:solidFill>
+              <a:schemeClr val="accent6"/>
+            </a:solidFill>
+            <a:headEnd type="none" w="med" len="lg"/>
+            <a:tailEnd type="none" w="med" len="lg"/>
+          </a:ln>
+        </p:spPr>
+        <p:style>
+          <a:lnRef idx="1">
+            <a:schemeClr val="accent1"/>
+          </a:lnRef>
+          <a:fillRef idx="0">
+            <a:schemeClr val="accent1"/>
+          </a:fillRef>
+          <a:effectRef idx="0">
+            <a:schemeClr val="accent1"/>
+          </a:effectRef>
+          <a:fontRef idx="minor">
+            <a:schemeClr val="tx1"/>
+          </a:fontRef>
+        </p:style>
+      </p:cxnSp>
+      <p:cxnSp>
+        <p:nvCxnSpPr>
+          <p:cNvPr id="58" name="Conector recto de flecha 15">
+            <a:extLst>
+              <a:ext uri="{FF2B5EF4-FFF2-40B4-BE49-F238E27FC236}">
+                <a16:creationId xmlns:a16="http://schemas.microsoft.com/office/drawing/2014/main" id="{206814E3-9FF4-E74D-2ED7-D861A36CFB76}"/>
+              </a:ext>
+            </a:extLst>
+          </p:cNvPr>
+          <p:cNvCxnSpPr>
+            <a:cxnSpLocks/>
+          </p:cNvCxnSpPr>
+          <p:nvPr/>
+        </p:nvCxnSpPr>
+        <p:spPr>
           <a:xfrm flipV="1">
-            <a:off x="8859293" y="1640106"/>
-            <a:ext cx="0" cy="1537434"/>
+            <a:off x="9585960" y="812363"/>
+            <a:ext cx="0" cy="2228839"/>
           </a:xfrm>
           <a:prstGeom prst="straightConnector1">
             <a:avLst/>
@@ -6631,10 +6806,10 @@
       </p:cxnSp>
       <p:cxnSp>
         <p:nvCxnSpPr>
-          <p:cNvPr id="49" name="Conector recto de flecha 15">
-            <a:extLst>
-              <a:ext uri="{FF2B5EF4-FFF2-40B4-BE49-F238E27FC236}">
-                <a16:creationId xmlns:a16="http://schemas.microsoft.com/office/drawing/2014/main" id="{DCB47CBF-80ED-A273-5C21-988C8A0E9421}"/>
+          <p:cNvPr id="59" name="Conector recto de flecha 15">
+            <a:extLst>
+              <a:ext uri="{FF2B5EF4-FFF2-40B4-BE49-F238E27FC236}">
+                <a16:creationId xmlns:a16="http://schemas.microsoft.com/office/drawing/2014/main" id="{20B471CC-4AEB-4A0B-E6A8-AEAACE482589}"/>
               </a:ext>
             </a:extLst>
           </p:cNvPr>
@@ -6645,8 +6820,8 @@
         </p:nvCxnSpPr>
         <p:spPr>
           <a:xfrm flipH="1">
-            <a:off x="6985645" y="1628506"/>
-            <a:ext cx="1873648" cy="0"/>
+            <a:off x="6603681" y="815972"/>
+            <a:ext cx="2982279" cy="0"/>
           </a:xfrm>
           <a:prstGeom prst="straightConnector1">
             <a:avLst/>
@@ -6676,10 +6851,10 @@
       </p:cxnSp>
       <p:cxnSp>
         <p:nvCxnSpPr>
-          <p:cNvPr id="58" name="Conector recto de flecha 15">
-            <a:extLst>
-              <a:ext uri="{FF2B5EF4-FFF2-40B4-BE49-F238E27FC236}">
-                <a16:creationId xmlns:a16="http://schemas.microsoft.com/office/drawing/2014/main" id="{206814E3-9FF4-E74D-2ED7-D861A36CFB76}"/>
+          <p:cNvPr id="40" name="Conector recto de flecha 15">
+            <a:extLst>
+              <a:ext uri="{FF2B5EF4-FFF2-40B4-BE49-F238E27FC236}">
+                <a16:creationId xmlns:a16="http://schemas.microsoft.com/office/drawing/2014/main" id="{CC66758C-F518-134E-4A2F-9B5FF4CC1353}"/>
               </a:ext>
             </a:extLst>
           </p:cNvPr>
@@ -6690,8 +6865,8 @@
         </p:nvCxnSpPr>
         <p:spPr>
           <a:xfrm flipV="1">
-            <a:off x="9585960" y="812363"/>
-            <a:ext cx="0" cy="2228839"/>
+            <a:off x="4840018" y="1049469"/>
+            <a:ext cx="0" cy="1413964"/>
           </a:xfrm>
           <a:prstGeom prst="straightConnector1">
             <a:avLst/>
@@ -6721,10 +6896,10 @@
       </p:cxnSp>
       <p:cxnSp>
         <p:nvCxnSpPr>
-          <p:cNvPr id="59" name="Conector recto de flecha 15">
-            <a:extLst>
-              <a:ext uri="{FF2B5EF4-FFF2-40B4-BE49-F238E27FC236}">
-                <a16:creationId xmlns:a16="http://schemas.microsoft.com/office/drawing/2014/main" id="{20B471CC-4AEB-4A0B-E6A8-AEAACE482589}"/>
+          <p:cNvPr id="41" name="Conector recto de flecha 15">
+            <a:extLst>
+              <a:ext uri="{FF2B5EF4-FFF2-40B4-BE49-F238E27FC236}">
+                <a16:creationId xmlns:a16="http://schemas.microsoft.com/office/drawing/2014/main" id="{C27AE2E6-B3BD-76AB-C8C4-EB71A3DB70C2}"/>
               </a:ext>
             </a:extLst>
           </p:cNvPr>
@@ -6735,8 +6910,8 @@
         </p:nvCxnSpPr>
         <p:spPr>
           <a:xfrm flipH="1">
-            <a:off x="6603681" y="815972"/>
-            <a:ext cx="2982279" cy="0"/>
+            <a:off x="2046914" y="1049469"/>
+            <a:ext cx="2793104" cy="10343"/>
           </a:xfrm>
           <a:prstGeom prst="straightConnector1">
             <a:avLst/>
@@ -6764,12 +6939,102 @@
           </a:fontRef>
         </p:style>
       </p:cxnSp>
+      <p:sp>
+        <p:nvSpPr>
+          <p:cNvPr id="61" name="CuadroTexto 60">
+            <a:extLst>
+              <a:ext uri="{FF2B5EF4-FFF2-40B4-BE49-F238E27FC236}">
+                <a16:creationId xmlns:a16="http://schemas.microsoft.com/office/drawing/2014/main" id="{1D37608F-13DA-D613-CBB6-4109046F8603}"/>
+              </a:ext>
+            </a:extLst>
+          </p:cNvPr>
+          <p:cNvSpPr txBox="1"/>
+          <p:nvPr/>
+        </p:nvSpPr>
+        <p:spPr>
+          <a:xfrm>
+            <a:off x="5692452" y="3481315"/>
+            <a:ext cx="1115997" cy="369332"/>
+          </a:xfrm>
+          <a:prstGeom prst="rect">
+            <a:avLst/>
+          </a:prstGeom>
+          <a:noFill/>
+          <a:ln w="31750">
+            <a:solidFill>
+              <a:schemeClr val="tx1"/>
+            </a:solidFill>
+          </a:ln>
+        </p:spPr>
+        <p:txBody>
+          <a:bodyPr wrap="square" rtlCol="0">
+            <a:spAutoFit/>
+          </a:bodyPr>
+          <a:lstStyle/>
+          <a:p>
+            <a:r>
+              <a:rPr lang="en-US" sz="1800" b="0" i="0" u="none" strike="noStrike" baseline="0" dirty="0">
+                <a:latin typeface="Consolas" panose="020B0609020204030204" pitchFamily="49" charset="0"/>
+              </a:rPr>
+              <a:t>modA.py</a:t>
+            </a:r>
+            <a:endParaRPr lang="en-US" dirty="0">
+              <a:latin typeface="Consolas" panose="020B0609020204030204" pitchFamily="49" charset="0"/>
+            </a:endParaRPr>
+          </a:p>
+        </p:txBody>
+      </p:sp>
+      <p:sp>
+        <p:nvSpPr>
+          <p:cNvPr id="69" name="CuadroTexto 68">
+            <a:extLst>
+              <a:ext uri="{FF2B5EF4-FFF2-40B4-BE49-F238E27FC236}">
+                <a16:creationId xmlns:a16="http://schemas.microsoft.com/office/drawing/2014/main" id="{932F7C8C-9EAC-9344-C2D4-47FC001019AF}"/>
+              </a:ext>
+            </a:extLst>
+          </p:cNvPr>
+          <p:cNvSpPr txBox="1"/>
+          <p:nvPr/>
+        </p:nvSpPr>
+        <p:spPr>
+          <a:xfrm>
+            <a:off x="991941" y="3758515"/>
+            <a:ext cx="1115997" cy="369332"/>
+          </a:xfrm>
+          <a:prstGeom prst="rect">
+            <a:avLst/>
+          </a:prstGeom>
+          <a:noFill/>
+          <a:ln w="31750">
+            <a:solidFill>
+              <a:schemeClr val="tx1"/>
+            </a:solidFill>
+          </a:ln>
+        </p:spPr>
+        <p:txBody>
+          <a:bodyPr wrap="square" rtlCol="0">
+            <a:spAutoFit/>
+          </a:bodyPr>
+          <a:lstStyle/>
+          <a:p>
+            <a:r>
+              <a:rPr lang="en-US" sz="1800" b="0" i="0" u="none" strike="noStrike" baseline="0" dirty="0">
+                <a:latin typeface="Consolas" panose="020B0609020204030204" pitchFamily="49" charset="0"/>
+              </a:rPr>
+              <a:t>main.py</a:t>
+            </a:r>
+            <a:endParaRPr lang="en-US" dirty="0">
+              <a:latin typeface="Consolas" panose="020B0609020204030204" pitchFamily="49" charset="0"/>
+            </a:endParaRPr>
+          </a:p>
+        </p:txBody>
+      </p:sp>
       <p:cxnSp>
         <p:nvCxnSpPr>
-          <p:cNvPr id="40" name="Conector recto de flecha 15">
-            <a:extLst>
-              <a:ext uri="{FF2B5EF4-FFF2-40B4-BE49-F238E27FC236}">
-                <a16:creationId xmlns:a16="http://schemas.microsoft.com/office/drawing/2014/main" id="{CC66758C-F518-134E-4A2F-9B5FF4CC1353}"/>
+          <p:cNvPr id="70" name="Conector recto de flecha 15">
+            <a:extLst>
+              <a:ext uri="{FF2B5EF4-FFF2-40B4-BE49-F238E27FC236}">
+                <a16:creationId xmlns:a16="http://schemas.microsoft.com/office/drawing/2014/main" id="{A54D90D2-BB71-C2AD-8F0E-BDE55DAE18D8}"/>
               </a:ext>
             </a:extLst>
           </p:cNvPr>
@@ -6780,53 +7045,8 @@
         </p:nvCxnSpPr>
         <p:spPr>
           <a:xfrm flipV="1">
-            <a:off x="4840018" y="1049469"/>
-            <a:ext cx="0" cy="1413964"/>
-          </a:xfrm>
-          <a:prstGeom prst="straightConnector1">
-            <a:avLst/>
-          </a:prstGeom>
-          <a:ln w="31750" cap="rnd">
-            <a:solidFill>
-              <a:schemeClr val="accent6"/>
-            </a:solidFill>
-            <a:headEnd type="arrow" w="med" len="lg"/>
-            <a:tailEnd type="none" w="med" len="lg"/>
-          </a:ln>
-        </p:spPr>
-        <p:style>
-          <a:lnRef idx="1">
-            <a:schemeClr val="accent1"/>
-          </a:lnRef>
-          <a:fillRef idx="0">
-            <a:schemeClr val="accent1"/>
-          </a:fillRef>
-          <a:effectRef idx="0">
-            <a:schemeClr val="accent1"/>
-          </a:effectRef>
-          <a:fontRef idx="minor">
-            <a:schemeClr val="tx1"/>
-          </a:fontRef>
-        </p:style>
-      </p:cxnSp>
-      <p:cxnSp>
-        <p:nvCxnSpPr>
-          <p:cNvPr id="41" name="Conector recto de flecha 15">
-            <a:extLst>
-              <a:ext uri="{FF2B5EF4-FFF2-40B4-BE49-F238E27FC236}">
-                <a16:creationId xmlns:a16="http://schemas.microsoft.com/office/drawing/2014/main" id="{C27AE2E6-B3BD-76AB-C8C4-EB71A3DB70C2}"/>
-              </a:ext>
-            </a:extLst>
-          </p:cNvPr>
-          <p:cNvCxnSpPr>
-            <a:cxnSpLocks/>
-          </p:cNvCxnSpPr>
-          <p:nvPr/>
-        </p:nvCxnSpPr>
-        <p:spPr>
-          <a:xfrm flipH="1">
-            <a:off x="2046914" y="1049469"/>
-            <a:ext cx="2793104" cy="10343"/>
+            <a:off x="7079989" y="-232436"/>
+            <a:ext cx="0" cy="561931"/>
           </a:xfrm>
           <a:prstGeom prst="straightConnector1">
             <a:avLst/>
@@ -6854,102 +7074,12 @@
           </a:fontRef>
         </p:style>
       </p:cxnSp>
-      <p:sp>
-        <p:nvSpPr>
-          <p:cNvPr id="61" name="CuadroTexto 60">
-            <a:extLst>
-              <a:ext uri="{FF2B5EF4-FFF2-40B4-BE49-F238E27FC236}">
-                <a16:creationId xmlns:a16="http://schemas.microsoft.com/office/drawing/2014/main" id="{1D37608F-13DA-D613-CBB6-4109046F8603}"/>
-              </a:ext>
-            </a:extLst>
-          </p:cNvPr>
-          <p:cNvSpPr txBox="1"/>
-          <p:nvPr/>
-        </p:nvSpPr>
-        <p:spPr>
-          <a:xfrm>
-            <a:off x="5692452" y="3481315"/>
-            <a:ext cx="1115997" cy="369332"/>
-          </a:xfrm>
-          <a:prstGeom prst="rect">
-            <a:avLst/>
-          </a:prstGeom>
-          <a:noFill/>
-          <a:ln w="31750">
-            <a:solidFill>
-              <a:schemeClr val="tx1"/>
-            </a:solidFill>
-          </a:ln>
-        </p:spPr>
-        <p:txBody>
-          <a:bodyPr wrap="square" rtlCol="0">
-            <a:spAutoFit/>
-          </a:bodyPr>
-          <a:lstStyle/>
-          <a:p>
-            <a:r>
-              <a:rPr lang="en-US" sz="1800" b="0" i="0" u="none" strike="noStrike" baseline="0" dirty="0">
-                <a:latin typeface="Consolas" panose="020B0609020204030204" pitchFamily="49" charset="0"/>
-              </a:rPr>
-              <a:t>modA.py</a:t>
-            </a:r>
-            <a:endParaRPr lang="en-US" dirty="0">
-              <a:latin typeface="Consolas" panose="020B0609020204030204" pitchFamily="49" charset="0"/>
-            </a:endParaRPr>
-          </a:p>
-        </p:txBody>
-      </p:sp>
-      <p:sp>
-        <p:nvSpPr>
-          <p:cNvPr id="69" name="CuadroTexto 68">
-            <a:extLst>
-              <a:ext uri="{FF2B5EF4-FFF2-40B4-BE49-F238E27FC236}">
-                <a16:creationId xmlns:a16="http://schemas.microsoft.com/office/drawing/2014/main" id="{932F7C8C-9EAC-9344-C2D4-47FC001019AF}"/>
-              </a:ext>
-            </a:extLst>
-          </p:cNvPr>
-          <p:cNvSpPr txBox="1"/>
-          <p:nvPr/>
-        </p:nvSpPr>
-        <p:spPr>
-          <a:xfrm>
-            <a:off x="991941" y="2926124"/>
-            <a:ext cx="1115997" cy="369332"/>
-          </a:xfrm>
-          <a:prstGeom prst="rect">
-            <a:avLst/>
-          </a:prstGeom>
-          <a:noFill/>
-          <a:ln w="31750">
-            <a:solidFill>
-              <a:schemeClr val="tx1"/>
-            </a:solidFill>
-          </a:ln>
-        </p:spPr>
-        <p:txBody>
-          <a:bodyPr wrap="square" rtlCol="0">
-            <a:spAutoFit/>
-          </a:bodyPr>
-          <a:lstStyle/>
-          <a:p>
-            <a:r>
-              <a:rPr lang="en-US" sz="1800" b="0" i="0" u="none" strike="noStrike" baseline="0" dirty="0">
-                <a:latin typeface="Consolas" panose="020B0609020204030204" pitchFamily="49" charset="0"/>
-              </a:rPr>
-              <a:t>main.py</a:t>
-            </a:r>
-            <a:endParaRPr lang="en-US" dirty="0">
-              <a:latin typeface="Consolas" panose="020B0609020204030204" pitchFamily="49" charset="0"/>
-            </a:endParaRPr>
-          </a:p>
-        </p:txBody>
-      </p:sp>
       <p:cxnSp>
         <p:nvCxnSpPr>
-          <p:cNvPr id="70" name="Conector recto de flecha 15">
-            <a:extLst>
-              <a:ext uri="{FF2B5EF4-FFF2-40B4-BE49-F238E27FC236}">
-                <a16:creationId xmlns:a16="http://schemas.microsoft.com/office/drawing/2014/main" id="{A54D90D2-BB71-C2AD-8F0E-BDE55DAE18D8}"/>
+          <p:cNvPr id="71" name="Conector recto de flecha 15">
+            <a:extLst>
+              <a:ext uri="{FF2B5EF4-FFF2-40B4-BE49-F238E27FC236}">
+                <a16:creationId xmlns:a16="http://schemas.microsoft.com/office/drawing/2014/main" id="{86A159BF-B622-5671-4CBA-CF677881A0FC}"/>
               </a:ext>
             </a:extLst>
           </p:cNvPr>
@@ -6959,9 +7089,9 @@
           <p:nvPr/>
         </p:nvCxnSpPr>
         <p:spPr>
-          <a:xfrm flipV="1">
-            <a:off x="7079989" y="-232436"/>
-            <a:ext cx="0" cy="561931"/>
+          <a:xfrm flipH="1">
+            <a:off x="3672373" y="-232436"/>
+            <a:ext cx="3407616" cy="0"/>
           </a:xfrm>
           <a:prstGeom prst="straightConnector1">
             <a:avLst/>
@@ -6989,12 +7119,66 @@
           </a:fontRef>
         </p:style>
       </p:cxnSp>
+      <p:sp>
+        <p:nvSpPr>
+          <p:cNvPr id="36" name="Signo de multiplicación 35">
+            <a:extLst>
+              <a:ext uri="{FF2B5EF4-FFF2-40B4-BE49-F238E27FC236}">
+                <a16:creationId xmlns:a16="http://schemas.microsoft.com/office/drawing/2014/main" id="{CC61C9C8-1BF9-42CF-EB6C-AD0786D47D71}"/>
+              </a:ext>
+            </a:extLst>
+          </p:cNvPr>
+          <p:cNvSpPr/>
+          <p:nvPr/>
+        </p:nvSpPr>
+        <p:spPr>
+          <a:xfrm>
+            <a:off x="5297811" y="-232417"/>
+            <a:ext cx="434858" cy="439002"/>
+          </a:xfrm>
+          <a:prstGeom prst="mathMultiply">
+            <a:avLst>
+              <a:gd name="adj1" fmla="val 11275"/>
+            </a:avLst>
+          </a:prstGeom>
+          <a:solidFill>
+            <a:srgbClr val="FF0000"/>
+          </a:solidFill>
+          <a:ln>
+            <a:noFill/>
+          </a:ln>
+        </p:spPr>
+        <p:style>
+          <a:lnRef idx="2">
+            <a:schemeClr val="accent1">
+              <a:shade val="50000"/>
+            </a:schemeClr>
+          </a:lnRef>
+          <a:fillRef idx="1">
+            <a:schemeClr val="accent1"/>
+          </a:fillRef>
+          <a:effectRef idx="0">
+            <a:schemeClr val="accent1"/>
+          </a:effectRef>
+          <a:fontRef idx="minor">
+            <a:schemeClr val="lt1"/>
+          </a:fontRef>
+        </p:style>
+        <p:txBody>
+          <a:bodyPr rtlCol="0" anchor="ctr"/>
+          <a:lstStyle/>
+          <a:p>
+            <a:pPr algn="ctr"/>
+            <a:endParaRPr lang="en-US"/>
+          </a:p>
+        </p:txBody>
+      </p:sp>
       <p:cxnSp>
         <p:nvCxnSpPr>
-          <p:cNvPr id="71" name="Conector recto de flecha 15">
-            <a:extLst>
-              <a:ext uri="{FF2B5EF4-FFF2-40B4-BE49-F238E27FC236}">
-                <a16:creationId xmlns:a16="http://schemas.microsoft.com/office/drawing/2014/main" id="{86A159BF-B622-5671-4CBA-CF677881A0FC}"/>
+          <p:cNvPr id="38" name="Conector recto de flecha 15">
+            <a:extLst>
+              <a:ext uri="{FF2B5EF4-FFF2-40B4-BE49-F238E27FC236}">
+                <a16:creationId xmlns:a16="http://schemas.microsoft.com/office/drawing/2014/main" id="{6306EB28-79E1-7A7E-EA23-7544D2FF3195}"/>
               </a:ext>
             </a:extLst>
           </p:cNvPr>
@@ -7004,19 +7188,19 @@
           <p:nvPr/>
         </p:nvCxnSpPr>
         <p:spPr>
-          <a:xfrm flipH="1">
-            <a:off x="3353965" y="-232436"/>
-            <a:ext cx="3726024" cy="0"/>
+          <a:xfrm>
+            <a:off x="647700" y="1829677"/>
+            <a:ext cx="0" cy="2020970"/>
           </a:xfrm>
           <a:prstGeom prst="straightConnector1">
             <a:avLst/>
           </a:prstGeom>
           <a:ln w="31750" cap="rnd">
             <a:solidFill>
-              <a:schemeClr val="accent6"/>
+              <a:srgbClr val="FF0000"/>
             </a:solidFill>
-            <a:headEnd type="none" w="med" len="lg"/>
-            <a:tailEnd type="none" w="med" len="lg"/>
+            <a:headEnd type="arrow" w="med" len="lg"/>
+            <a:tailEnd type="arrow" w="med" len="lg"/>
           </a:ln>
         </p:spPr>
         <p:style>
@@ -7034,6 +7218,144 @@
           </a:fontRef>
         </p:style>
       </p:cxnSp>
+      <p:cxnSp>
+        <p:nvCxnSpPr>
+          <p:cNvPr id="39" name="Conector recto de flecha 15">
+            <a:extLst>
+              <a:ext uri="{FF2B5EF4-FFF2-40B4-BE49-F238E27FC236}">
+                <a16:creationId xmlns:a16="http://schemas.microsoft.com/office/drawing/2014/main" id="{3D9DB384-1746-82C4-7AFA-D5D7D852196A}"/>
+              </a:ext>
+            </a:extLst>
+          </p:cNvPr>
+          <p:cNvCxnSpPr>
+            <a:cxnSpLocks/>
+          </p:cNvCxnSpPr>
+          <p:nvPr/>
+        </p:nvCxnSpPr>
+        <p:spPr>
+          <a:xfrm flipH="1">
+            <a:off x="647700" y="3016963"/>
+            <a:ext cx="856127" cy="0"/>
+          </a:xfrm>
+          <a:prstGeom prst="straightConnector1">
+            <a:avLst/>
+          </a:prstGeom>
+          <a:ln w="31750" cap="rnd">
+            <a:solidFill>
+              <a:srgbClr val="FF0000"/>
+            </a:solidFill>
+            <a:headEnd type="none" w="med" len="lg"/>
+            <a:tailEnd type="none" w="med" len="lg"/>
+          </a:ln>
+        </p:spPr>
+        <p:style>
+          <a:lnRef idx="1">
+            <a:schemeClr val="accent1"/>
+          </a:lnRef>
+          <a:fillRef idx="0">
+            <a:schemeClr val="accent1"/>
+          </a:fillRef>
+          <a:effectRef idx="0">
+            <a:schemeClr val="accent1"/>
+          </a:effectRef>
+          <a:fontRef idx="minor">
+            <a:schemeClr val="tx1"/>
+          </a:fontRef>
+        </p:style>
+      </p:cxnSp>
+      <p:sp>
+        <p:nvSpPr>
+          <p:cNvPr id="42" name="Signo de multiplicación 41">
+            <a:extLst>
+              <a:ext uri="{FF2B5EF4-FFF2-40B4-BE49-F238E27FC236}">
+                <a16:creationId xmlns:a16="http://schemas.microsoft.com/office/drawing/2014/main" id="{76F2E83C-853D-56AE-F14B-6B261A47B094}"/>
+              </a:ext>
+            </a:extLst>
+          </p:cNvPr>
+          <p:cNvSpPr/>
+          <p:nvPr/>
+        </p:nvSpPr>
+        <p:spPr>
+          <a:xfrm>
+            <a:off x="1046404" y="2797462"/>
+            <a:ext cx="434858" cy="439002"/>
+          </a:xfrm>
+          <a:prstGeom prst="mathMultiply">
+            <a:avLst>
+              <a:gd name="adj1" fmla="val 11275"/>
+            </a:avLst>
+          </a:prstGeom>
+          <a:solidFill>
+            <a:srgbClr val="FF0000"/>
+          </a:solidFill>
+          <a:ln>
+            <a:noFill/>
+          </a:ln>
+        </p:spPr>
+        <p:style>
+          <a:lnRef idx="2">
+            <a:schemeClr val="accent1">
+              <a:shade val="50000"/>
+            </a:schemeClr>
+          </a:lnRef>
+          <a:fillRef idx="1">
+            <a:schemeClr val="accent1"/>
+          </a:fillRef>
+          <a:effectRef idx="0">
+            <a:schemeClr val="accent1"/>
+          </a:effectRef>
+          <a:fontRef idx="minor">
+            <a:schemeClr val="lt1"/>
+          </a:fontRef>
+        </p:style>
+        <p:txBody>
+          <a:bodyPr rtlCol="0" anchor="ctr"/>
+          <a:lstStyle/>
+          <a:p>
+            <a:pPr algn="ctr"/>
+            <a:endParaRPr lang="en-US"/>
+          </a:p>
+        </p:txBody>
+      </p:sp>
+      <p:sp>
+        <p:nvSpPr>
+          <p:cNvPr id="43" name="CuadroTexto 42">
+            <a:extLst>
+              <a:ext uri="{FF2B5EF4-FFF2-40B4-BE49-F238E27FC236}">
+                <a16:creationId xmlns:a16="http://schemas.microsoft.com/office/drawing/2014/main" id="{BD401646-823E-260B-9094-530AE061A5A3}"/>
+              </a:ext>
+            </a:extLst>
+          </p:cNvPr>
+          <p:cNvSpPr txBox="1"/>
+          <p:nvPr/>
+        </p:nvSpPr>
+        <p:spPr>
+          <a:xfrm>
+            <a:off x="954454" y="3082629"/>
+            <a:ext cx="618759" cy="369332"/>
+          </a:xfrm>
+          <a:prstGeom prst="rect">
+            <a:avLst/>
+          </a:prstGeom>
+          <a:noFill/>
+        </p:spPr>
+        <p:txBody>
+          <a:bodyPr wrap="none" rtlCol="0">
+            <a:spAutoFit/>
+          </a:bodyPr>
+          <a:lstStyle/>
+          <a:p>
+            <a:r>
+              <a:rPr lang="en-US" dirty="0">
+                <a:solidFill>
+                  <a:srgbClr val="FF0000"/>
+                </a:solidFill>
+              </a:rPr>
+              <a:t>local</a:t>
+            </a:r>
+          </a:p>
+        </p:txBody>
+      </p:sp>
     </p:spTree>
     <p:extLst>
       <p:ext uri="{BB962C8B-B14F-4D97-AF65-F5344CB8AC3E}">
